--- a/ppt/3. TSQL Architecture/TSQL Architecture.pptx
+++ b/ppt/3. TSQL Architecture/TSQL Architecture.pptx
@@ -6,11 +6,16 @@
   </p:sldMasterIdLst>
   <p:sldIdLst>
     <p:sldId id="256" r:id="rId2"/>
-    <p:sldId id="266" r:id="rId3"/>
-    <p:sldId id="257" r:id="rId4"/>
-    <p:sldId id="258" r:id="rId5"/>
-    <p:sldId id="264" r:id="rId6"/>
-    <p:sldId id="265" r:id="rId7"/>
+    <p:sldId id="258" r:id="rId3"/>
+    <p:sldId id="264" r:id="rId4"/>
+    <p:sldId id="265" r:id="rId5"/>
+    <p:sldId id="283" r:id="rId6"/>
+    <p:sldId id="266" r:id="rId7"/>
+    <p:sldId id="257" r:id="rId8"/>
+    <p:sldId id="269" r:id="rId9"/>
+    <p:sldId id="268" r:id="rId10"/>
+    <p:sldId id="270" r:id="rId11"/>
+    <p:sldId id="271" r:id="rId12"/>
   </p:sldIdLst>
   <p:sldSz cx="12192000" cy="6858000"/>
   <p:notesSz cx="6858000" cy="9144000"/>
@@ -313,7 +318,7 @@
           <a:p>
             <a:fld id="{B77041DB-8937-471F-A15D-BAC70CF6D0E8}" type="datetimeFigureOut">
               <a:rPr lang="en-US" smtClean="0"/>
-              <a:t>7/8/2018</a:t>
+              <a:t>7/10/2018</a:t>
             </a:fld>
             <a:endParaRPr lang="en-US"/>
           </a:p>
@@ -594,7 +599,7 @@
           <a:p>
             <a:fld id="{B77041DB-8937-471F-A15D-BAC70CF6D0E8}" type="datetimeFigureOut">
               <a:rPr lang="en-US" smtClean="0"/>
-              <a:t>7/8/2018</a:t>
+              <a:t>7/10/2018</a:t>
             </a:fld>
             <a:endParaRPr lang="en-US"/>
           </a:p>
@@ -786,7 +791,7 @@
           <a:p>
             <a:fld id="{B77041DB-8937-471F-A15D-BAC70CF6D0E8}" type="datetimeFigureOut">
               <a:rPr lang="en-US" smtClean="0"/>
-              <a:t>7/8/2018</a:t>
+              <a:t>7/10/2018</a:t>
             </a:fld>
             <a:endParaRPr lang="en-US"/>
           </a:p>
@@ -1047,7 +1052,7 @@
           <a:p>
             <a:fld id="{B77041DB-8937-471F-A15D-BAC70CF6D0E8}" type="datetimeFigureOut">
               <a:rPr lang="en-US" smtClean="0"/>
-              <a:t>7/8/2018</a:t>
+              <a:t>7/10/2018</a:t>
             </a:fld>
             <a:endParaRPr lang="en-US"/>
           </a:p>
@@ -1473,7 +1478,7 @@
           <a:p>
             <a:fld id="{B77041DB-8937-471F-A15D-BAC70CF6D0E8}" type="datetimeFigureOut">
               <a:rPr lang="en-US" smtClean="0"/>
-              <a:t>7/8/2018</a:t>
+              <a:t>7/10/2018</a:t>
             </a:fld>
             <a:endParaRPr lang="en-US"/>
           </a:p>
@@ -2019,7 +2024,7 @@
           <a:p>
             <a:fld id="{B77041DB-8937-471F-A15D-BAC70CF6D0E8}" type="datetimeFigureOut">
               <a:rPr lang="en-US" smtClean="0"/>
-              <a:t>7/8/2018</a:t>
+              <a:t>7/10/2018</a:t>
             </a:fld>
             <a:endParaRPr lang="en-US"/>
           </a:p>
@@ -2850,7 +2855,7 @@
           <a:p>
             <a:fld id="{B77041DB-8937-471F-A15D-BAC70CF6D0E8}" type="datetimeFigureOut">
               <a:rPr lang="en-US" smtClean="0"/>
-              <a:t>7/8/2018</a:t>
+              <a:t>7/10/2018</a:t>
             </a:fld>
             <a:endParaRPr lang="en-US"/>
           </a:p>
@@ -3020,7 +3025,7 @@
           <a:p>
             <a:fld id="{B77041DB-8937-471F-A15D-BAC70CF6D0E8}" type="datetimeFigureOut">
               <a:rPr lang="en-US" smtClean="0"/>
-              <a:t>7/8/2018</a:t>
+              <a:t>7/10/2018</a:t>
             </a:fld>
             <a:endParaRPr lang="en-US"/>
           </a:p>
@@ -3200,7 +3205,7 @@
           <a:p>
             <a:fld id="{B77041DB-8937-471F-A15D-BAC70CF6D0E8}" type="datetimeFigureOut">
               <a:rPr lang="en-US" smtClean="0"/>
-              <a:t>7/8/2018</a:t>
+              <a:t>7/10/2018</a:t>
             </a:fld>
             <a:endParaRPr lang="en-US"/>
           </a:p>
@@ -3397,7 +3402,7 @@
           <a:p>
             <a:fld id="{B77041DB-8937-471F-A15D-BAC70CF6D0E8}" type="datetimeFigureOut">
               <a:rPr lang="en-US" smtClean="0"/>
-              <a:t>7/8/2018</a:t>
+              <a:t>7/10/2018</a:t>
             </a:fld>
             <a:endParaRPr lang="en-US"/>
           </a:p>
@@ -3654,7 +3659,7 @@
           <a:p>
             <a:fld id="{B77041DB-8937-471F-A15D-BAC70CF6D0E8}" type="datetimeFigureOut">
               <a:rPr lang="en-US" smtClean="0"/>
-              <a:t>7/8/2018</a:t>
+              <a:t>7/10/2018</a:t>
             </a:fld>
             <a:endParaRPr lang="en-US"/>
           </a:p>
@@ -3886,7 +3891,7 @@
           <a:p>
             <a:fld id="{B77041DB-8937-471F-A15D-BAC70CF6D0E8}" type="datetimeFigureOut">
               <a:rPr lang="en-US" smtClean="0"/>
-              <a:t>7/8/2018</a:t>
+              <a:t>7/10/2018</a:t>
             </a:fld>
             <a:endParaRPr lang="en-US"/>
           </a:p>
@@ -4279,7 +4284,7 @@
           <a:p>
             <a:fld id="{B77041DB-8937-471F-A15D-BAC70CF6D0E8}" type="datetimeFigureOut">
               <a:rPr lang="en-US" smtClean="0"/>
-              <a:t>7/8/2018</a:t>
+              <a:t>7/10/2018</a:t>
             </a:fld>
             <a:endParaRPr lang="en-US"/>
           </a:p>
@@ -4397,7 +4402,7 @@
           <a:p>
             <a:fld id="{B77041DB-8937-471F-A15D-BAC70CF6D0E8}" type="datetimeFigureOut">
               <a:rPr lang="en-US" smtClean="0"/>
-              <a:t>7/8/2018</a:t>
+              <a:t>7/10/2018</a:t>
             </a:fld>
             <a:endParaRPr lang="en-US"/>
           </a:p>
@@ -4492,7 +4497,7 @@
           <a:p>
             <a:fld id="{B77041DB-8937-471F-A15D-BAC70CF6D0E8}" type="datetimeFigureOut">
               <a:rPr lang="en-US" smtClean="0"/>
-              <a:t>7/8/2018</a:t>
+              <a:t>7/10/2018</a:t>
             </a:fld>
             <a:endParaRPr lang="en-US"/>
           </a:p>
@@ -4765,7 +4770,7 @@
           <a:p>
             <a:fld id="{B77041DB-8937-471F-A15D-BAC70CF6D0E8}" type="datetimeFigureOut">
               <a:rPr lang="en-US" smtClean="0"/>
-              <a:t>7/8/2018</a:t>
+              <a:t>7/10/2018</a:t>
             </a:fld>
             <a:endParaRPr lang="en-US"/>
           </a:p>
@@ -5046,7 +5051,7 @@
           <a:p>
             <a:fld id="{B77041DB-8937-471F-A15D-BAC70CF6D0E8}" type="datetimeFigureOut">
               <a:rPr lang="en-US" smtClean="0"/>
-              <a:t>7/8/2018</a:t>
+              <a:t>7/10/2018</a:t>
             </a:fld>
             <a:endParaRPr lang="en-US"/>
           </a:p>
@@ -5285,7 +5290,7 @@
           <a:p>
             <a:fld id="{B77041DB-8937-471F-A15D-BAC70CF6D0E8}" type="datetimeFigureOut">
               <a:rPr lang="en-US" smtClean="0"/>
-              <a:t>7/8/2018</a:t>
+              <a:t>7/10/2018</a:t>
             </a:fld>
             <a:endParaRPr lang="en-US"/>
           </a:p>
@@ -5913,6 +5918,288 @@
 </p:sld>
 </file>
 
+<file path=ppt/slides/slide10.xml><?xml version="1.0" encoding="utf-8"?>
+<p:sld xmlns:a="http://schemas.openxmlformats.org/drawingml/2006/main" xmlns:r="http://schemas.openxmlformats.org/officeDocument/2006/relationships" xmlns:p="http://schemas.openxmlformats.org/presentationml/2006/main">
+  <p:cSld>
+    <p:spTree>
+      <p:nvGrpSpPr>
+        <p:cNvPr id="1" name=""/>
+        <p:cNvGrpSpPr/>
+        <p:nvPr/>
+      </p:nvGrpSpPr>
+      <p:grpSpPr>
+        <a:xfrm>
+          <a:off x="0" y="0"/>
+          <a:ext cx="0" cy="0"/>
+          <a:chOff x="0" y="0"/>
+          <a:chExt cx="0" cy="0"/>
+        </a:xfrm>
+      </p:grpSpPr>
+      <p:sp>
+        <p:nvSpPr>
+          <p:cNvPr id="2" name="Title 1">
+            <a:extLst>
+              <a:ext uri="{FF2B5EF4-FFF2-40B4-BE49-F238E27FC236}">
+                <a16:creationId xmlns:a16="http://schemas.microsoft.com/office/drawing/2014/main" id="{BF7B0E20-4FC0-4D39-B4E2-F0265D8E754E}"/>
+              </a:ext>
+            </a:extLst>
+          </p:cNvPr>
+          <p:cNvSpPr>
+            <a:spLocks noGrp="1"/>
+          </p:cNvSpPr>
+          <p:nvPr>
+            <p:ph type="title"/>
+          </p:nvPr>
+        </p:nvSpPr>
+        <p:spPr/>
+        <p:txBody>
+          <a:bodyPr/>
+          <a:lstStyle/>
+          <a:p>
+            <a:r>
+              <a:rPr lang="en-US" dirty="0"/>
+              <a:t>Stored Procedure Read-ability</a:t>
+            </a:r>
+          </a:p>
+        </p:txBody>
+      </p:sp>
+      <p:sp>
+        <p:nvSpPr>
+          <p:cNvPr id="3" name="Content Placeholder 2">
+            <a:extLst>
+              <a:ext uri="{FF2B5EF4-FFF2-40B4-BE49-F238E27FC236}">
+                <a16:creationId xmlns:a16="http://schemas.microsoft.com/office/drawing/2014/main" id="{AD51470C-E10E-4A02-ADB3-A5B75A9ED3CC}"/>
+              </a:ext>
+            </a:extLst>
+          </p:cNvPr>
+          <p:cNvSpPr>
+            <a:spLocks noGrp="1"/>
+          </p:cNvSpPr>
+          <p:nvPr>
+            <p:ph idx="1"/>
+          </p:nvPr>
+        </p:nvSpPr>
+        <p:spPr/>
+        <p:txBody>
+          <a:bodyPr/>
+          <a:lstStyle/>
+          <a:p>
+            <a:r>
+              <a:rPr lang="en-US" dirty="0"/>
+              <a:t>Consistent naming</a:t>
+            </a:r>
+          </a:p>
+          <a:p>
+            <a:r>
+              <a:rPr lang="en-US" dirty="0"/>
+              <a:t>Include usage in a comment block (good for testing too!)</a:t>
+            </a:r>
+          </a:p>
+          <a:p>
+            <a:r>
+              <a:rPr lang="en-US" dirty="0"/>
+              <a:t>Comment liberally</a:t>
+            </a:r>
+          </a:p>
+          <a:p>
+            <a:r>
+              <a:rPr lang="en-US" dirty="0"/>
+              <a:t>Format well</a:t>
+            </a:r>
+          </a:p>
+          <a:p>
+            <a:pPr lvl="1"/>
+            <a:r>
+              <a:rPr lang="en-US" dirty="0"/>
+              <a:t>Line up FROM, JOIN, WHERE, etc.</a:t>
+            </a:r>
+          </a:p>
+          <a:p>
+            <a:r>
+              <a:rPr lang="en-US" dirty="0"/>
+              <a:t>Schema qualify objects</a:t>
+            </a:r>
+          </a:p>
+          <a:p>
+            <a:r>
+              <a:rPr lang="en-US" dirty="0"/>
+              <a:t>Alias long table names</a:t>
+            </a:r>
+          </a:p>
+          <a:p>
+            <a:r>
+              <a:rPr lang="en-US" dirty="0"/>
+              <a:t>Table alias columns in multi-table queries</a:t>
+            </a:r>
+          </a:p>
+        </p:txBody>
+      </p:sp>
+    </p:spTree>
+    <p:extLst>
+      <p:ext uri="{BB962C8B-B14F-4D97-AF65-F5344CB8AC3E}">
+        <p14:creationId xmlns:p14="http://schemas.microsoft.com/office/powerpoint/2010/main" val="3752562560"/>
+      </p:ext>
+    </p:extLst>
+  </p:cSld>
+  <p:clrMapOvr>
+    <a:masterClrMapping/>
+  </p:clrMapOvr>
+</p:sld>
+</file>
+
+<file path=ppt/slides/slide11.xml><?xml version="1.0" encoding="utf-8"?>
+<p:sld xmlns:a="http://schemas.openxmlformats.org/drawingml/2006/main" xmlns:r="http://schemas.openxmlformats.org/officeDocument/2006/relationships" xmlns:p="http://schemas.openxmlformats.org/presentationml/2006/main">
+  <p:cSld>
+    <p:spTree>
+      <p:nvGrpSpPr>
+        <p:cNvPr id="1" name=""/>
+        <p:cNvGrpSpPr/>
+        <p:nvPr/>
+      </p:nvGrpSpPr>
+      <p:grpSpPr>
+        <a:xfrm>
+          <a:off x="0" y="0"/>
+          <a:ext cx="0" cy="0"/>
+          <a:chOff x="0" y="0"/>
+          <a:chExt cx="0" cy="0"/>
+        </a:xfrm>
+      </p:grpSpPr>
+      <p:sp>
+        <p:nvSpPr>
+          <p:cNvPr id="2" name="Title 1">
+            <a:extLst>
+              <a:ext uri="{FF2B5EF4-FFF2-40B4-BE49-F238E27FC236}">
+                <a16:creationId xmlns:a16="http://schemas.microsoft.com/office/drawing/2014/main" id="{B95129E8-D94E-4B05-90DD-11825B8761AB}"/>
+              </a:ext>
+            </a:extLst>
+          </p:cNvPr>
+          <p:cNvSpPr>
+            <a:spLocks noGrp="1"/>
+          </p:cNvSpPr>
+          <p:nvPr>
+            <p:ph type="title"/>
+          </p:nvPr>
+        </p:nvSpPr>
+        <p:spPr/>
+        <p:txBody>
+          <a:bodyPr/>
+          <a:lstStyle/>
+          <a:p>
+            <a:r>
+              <a:rPr lang="en-US" dirty="0"/>
+              <a:t>Stored Procedure Usability</a:t>
+            </a:r>
+          </a:p>
+        </p:txBody>
+      </p:sp>
+      <p:sp>
+        <p:nvSpPr>
+          <p:cNvPr id="3" name="Content Placeholder 2">
+            <a:extLst>
+              <a:ext uri="{FF2B5EF4-FFF2-40B4-BE49-F238E27FC236}">
+                <a16:creationId xmlns:a16="http://schemas.microsoft.com/office/drawing/2014/main" id="{5FF4E788-376F-4275-B5DB-B4B09D64D594}"/>
+              </a:ext>
+            </a:extLst>
+          </p:cNvPr>
+          <p:cNvSpPr>
+            <a:spLocks noGrp="1"/>
+          </p:cNvSpPr>
+          <p:nvPr>
+            <p:ph idx="1"/>
+          </p:nvPr>
+        </p:nvSpPr>
+        <p:spPr/>
+        <p:txBody>
+          <a:bodyPr/>
+          <a:lstStyle/>
+          <a:p>
+            <a:r>
+              <a:rPr lang="en-US" dirty="0"/>
+              <a:t>Consider @debug or @</a:t>
+            </a:r>
+            <a:r>
+              <a:rPr lang="en-US" dirty="0" err="1"/>
+              <a:t>noexec</a:t>
+            </a:r>
+            <a:r>
+              <a:rPr lang="en-US" dirty="0"/>
+              <a:t>  parameters</a:t>
+            </a:r>
+          </a:p>
+          <a:p>
+            <a:pPr lvl="1"/>
+            <a:r>
+              <a:rPr lang="en-US" dirty="0"/>
+              <a:t>Especially for optional parameters to print SQL</a:t>
+            </a:r>
+          </a:p>
+          <a:p>
+            <a:r>
+              <a:rPr lang="en-US" dirty="0"/>
+              <a:t>SET NOCOUNT ON;</a:t>
+            </a:r>
+          </a:p>
+          <a:p>
+            <a:pPr lvl="1"/>
+            <a:r>
+              <a:rPr lang="en-US" dirty="0"/>
+              <a:t>Avoids a round-trip</a:t>
+            </a:r>
+          </a:p>
+          <a:p>
+            <a:r>
+              <a:rPr lang="en-US" dirty="0"/>
+              <a:t>Always “CREATE OR ALTER” …or CREATE a stub then ALTER</a:t>
+            </a:r>
+          </a:p>
+          <a:p>
+            <a:pPr lvl="1"/>
+            <a:r>
+              <a:rPr lang="en-US" dirty="0"/>
+              <a:t>Maintains permissions</a:t>
+            </a:r>
+          </a:p>
+          <a:p>
+            <a:r>
+              <a:rPr lang="en-US" dirty="0"/>
+              <a:t>OUTPUT parameters are FAST</a:t>
+            </a:r>
+          </a:p>
+          <a:p>
+            <a:r>
+              <a:rPr lang="en-US" dirty="0"/>
+              <a:t>Stored procedures can call other stored procedures or functions</a:t>
+            </a:r>
+          </a:p>
+          <a:p>
+            <a:pPr lvl="1"/>
+            <a:r>
+              <a:rPr lang="en-US" dirty="0"/>
+              <a:t>Isolate logic</a:t>
+            </a:r>
+          </a:p>
+          <a:p>
+            <a:pPr lvl="1"/>
+            <a:r>
+              <a:rPr lang="en-US" dirty="0"/>
+              <a:t>But don’t put a SELECT in a scalar-valued function!</a:t>
+            </a:r>
+          </a:p>
+        </p:txBody>
+      </p:sp>
+    </p:spTree>
+    <p:extLst>
+      <p:ext uri="{BB962C8B-B14F-4D97-AF65-F5344CB8AC3E}">
+        <p14:creationId xmlns:p14="http://schemas.microsoft.com/office/powerpoint/2010/main" val="1888505939"/>
+      </p:ext>
+    </p:extLst>
+  </p:cSld>
+  <p:clrMapOvr>
+    <a:masterClrMapping/>
+  </p:clrMapOvr>
+</p:sld>
+</file>
+
 <file path=ppt/slides/slide2.xml><?xml version="1.0" encoding="utf-8"?>
 <p:sld xmlns:a="http://schemas.openxmlformats.org/drawingml/2006/main" xmlns:r="http://schemas.openxmlformats.org/officeDocument/2006/relationships" xmlns:p="http://schemas.openxmlformats.org/presentationml/2006/main">
   <p:cSld>
@@ -5935,7 +6222,7 @@
           <p:cNvPr id="2" name="Title 1">
             <a:extLst>
               <a:ext uri="{FF2B5EF4-FFF2-40B4-BE49-F238E27FC236}">
-                <a16:creationId xmlns:a16="http://schemas.microsoft.com/office/drawing/2014/main" id="{2A9F7BCC-3CF1-4B3A-A487-2696640886D5}"/>
+                <a16:creationId xmlns:a16="http://schemas.microsoft.com/office/drawing/2014/main" id="{84F3DA95-0004-4925-841C-74DDF6CC0EA3}"/>
               </a:ext>
             </a:extLst>
           </p:cNvPr>
@@ -5953,7 +6240,7 @@
           <a:p>
             <a:r>
               <a:rPr lang="en-US" dirty="0"/>
-              <a:t>SQL Server Errors</a:t>
+              <a:t>CTE vs Temp Table vs Table Variable</a:t>
             </a:r>
           </a:p>
         </p:txBody>
@@ -5963,7 +6250,7 @@
           <p:cNvPr id="3" name="Content Placeholder 2">
             <a:extLst>
               <a:ext uri="{FF2B5EF4-FFF2-40B4-BE49-F238E27FC236}">
-                <a16:creationId xmlns:a16="http://schemas.microsoft.com/office/drawing/2014/main" id="{0D45B25E-C274-4F23-8F7C-69F3ED65463A}"/>
+                <a16:creationId xmlns:a16="http://schemas.microsoft.com/office/drawing/2014/main" id="{05D90366-3BB5-419A-881E-5AC277418E50}"/>
               </a:ext>
             </a:extLst>
           </p:cNvPr>
@@ -5981,63 +6268,187 @@
           <a:p>
             <a:r>
               <a:rPr lang="en-US" dirty="0"/>
-              <a:t>SQL Server Errors</a:t>
+              <a:t>First, prefer Common Table Expression</a:t>
+            </a:r>
+          </a:p>
+          <a:p>
+            <a:r>
+              <a:rPr lang="en-US" dirty="0"/>
+              <a:t>Next, a table variable up to roughly 100 rows</a:t>
+            </a:r>
+          </a:p>
+          <a:p>
+            <a:r>
+              <a:rPr lang="en-US" dirty="0"/>
+              <a:t>Finally a temporary table</a:t>
+            </a:r>
+          </a:p>
+          <a:p>
+            <a:endParaRPr lang="en-US" dirty="0"/>
+          </a:p>
+          <a:p>
+            <a:r>
+              <a:rPr lang="en-US" dirty="0"/>
+              <a:t>Table Variables always assume one row in query plans</a:t>
             </a:r>
           </a:p>
           <a:p>
             <a:pPr lvl="1"/>
             <a:r>
               <a:rPr lang="en-US" dirty="0"/>
-              <a:t>Message number, severity, and state</a:t>
-            </a:r>
-          </a:p>
-          <a:p>
-            <a:r>
-              <a:rPr lang="en-US" dirty="0"/>
-              <a:t>Will try to continue unless SET XACT_ABORT ON</a:t>
-            </a:r>
-          </a:p>
-          <a:p>
-            <a:r>
-              <a:rPr lang="en-US" dirty="0"/>
-              <a:t>Don’t use RAISERROR unless it’s something you need to investigate and correct</a:t>
-            </a:r>
-          </a:p>
-          <a:p>
-            <a:pPr lvl="1"/>
-            <a:r>
-              <a:rPr lang="en-US" dirty="0"/>
-              <a:t>Return a status code</a:t>
-            </a:r>
-          </a:p>
-          <a:p>
-            <a:pPr lvl="1"/>
-            <a:r>
-              <a:rPr lang="en-US" dirty="0"/>
-              <a:t>Return an empty set</a:t>
-            </a:r>
-          </a:p>
-          <a:p>
-            <a:r>
-              <a:rPr lang="en-US" dirty="0"/>
-              <a:t>TRY … CATCH to consume errors</a:t>
-            </a:r>
-          </a:p>
-          <a:p>
-            <a:r>
-              <a:rPr lang="en-US" dirty="0"/>
-              <a:t>THROW to rethrow errors</a:t>
+              <a:t>Leads to some sketchy query plans</a:t>
             </a:r>
           </a:p>
           <a:p>
             <a:endParaRPr lang="en-US" dirty="0"/>
+          </a:p>
+        </p:txBody>
+      </p:sp>
+      <p:sp>
+        <p:nvSpPr>
+          <p:cNvPr id="4" name="12-Point Star 3">
+            <a:extLst>
+              <a:ext uri="{FF2B5EF4-FFF2-40B4-BE49-F238E27FC236}">
+                <a16:creationId xmlns:a16="http://schemas.microsoft.com/office/drawing/2014/main" id="{2137A92A-1B74-46B4-A377-156AFE50775E}"/>
+              </a:ext>
+            </a:extLst>
+          </p:cNvPr>
+          <p:cNvSpPr/>
+          <p:nvPr/>
+        </p:nvSpPr>
+        <p:spPr>
+          <a:xfrm rot="1816144">
+            <a:off x="9120819" y="4564322"/>
+            <a:ext cx="2352055" cy="1369390"/>
+          </a:xfrm>
+          <a:prstGeom prst="star12">
+            <a:avLst/>
+          </a:prstGeom>
+        </p:spPr>
+        <p:style>
+          <a:lnRef idx="1">
+            <a:schemeClr val="accent5"/>
+          </a:lnRef>
+          <a:fillRef idx="2">
+            <a:schemeClr val="accent5"/>
+          </a:fillRef>
+          <a:effectRef idx="1">
+            <a:schemeClr val="accent5"/>
+          </a:effectRef>
+          <a:fontRef idx="minor">
+            <a:schemeClr val="dk1"/>
+          </a:fontRef>
+        </p:style>
+        <p:txBody>
+          <a:bodyPr rtlCol="0" anchor="ctr"/>
+          <a:lstStyle>
+            <a:defPPr>
+              <a:defRPr lang="en-US"/>
+            </a:defPPr>
+            <a:lvl1pPr marL="0" algn="l" defTabSz="914400" rtl="0" eaLnBrk="1" latinLnBrk="0" hangingPunct="1">
+              <a:defRPr sz="1800" kern="1200">
+                <a:solidFill>
+                  <a:schemeClr val="dk1"/>
+                </a:solidFill>
+                <a:latin typeface="+mn-lt"/>
+                <a:ea typeface="+mn-ea"/>
+                <a:cs typeface="+mn-cs"/>
+              </a:defRPr>
+            </a:lvl1pPr>
+            <a:lvl2pPr marL="457200" algn="l" defTabSz="914400" rtl="0" eaLnBrk="1" latinLnBrk="0" hangingPunct="1">
+              <a:defRPr sz="1800" kern="1200">
+                <a:solidFill>
+                  <a:schemeClr val="dk1"/>
+                </a:solidFill>
+                <a:latin typeface="+mn-lt"/>
+                <a:ea typeface="+mn-ea"/>
+                <a:cs typeface="+mn-cs"/>
+              </a:defRPr>
+            </a:lvl2pPr>
+            <a:lvl3pPr marL="914400" algn="l" defTabSz="914400" rtl="0" eaLnBrk="1" latinLnBrk="0" hangingPunct="1">
+              <a:defRPr sz="1800" kern="1200">
+                <a:solidFill>
+                  <a:schemeClr val="dk1"/>
+                </a:solidFill>
+                <a:latin typeface="+mn-lt"/>
+                <a:ea typeface="+mn-ea"/>
+                <a:cs typeface="+mn-cs"/>
+              </a:defRPr>
+            </a:lvl3pPr>
+            <a:lvl4pPr marL="1371600" algn="l" defTabSz="914400" rtl="0" eaLnBrk="1" latinLnBrk="0" hangingPunct="1">
+              <a:defRPr sz="1800" kern="1200">
+                <a:solidFill>
+                  <a:schemeClr val="dk1"/>
+                </a:solidFill>
+                <a:latin typeface="+mn-lt"/>
+                <a:ea typeface="+mn-ea"/>
+                <a:cs typeface="+mn-cs"/>
+              </a:defRPr>
+            </a:lvl4pPr>
+            <a:lvl5pPr marL="1828800" algn="l" defTabSz="914400" rtl="0" eaLnBrk="1" latinLnBrk="0" hangingPunct="1">
+              <a:defRPr sz="1800" kern="1200">
+                <a:solidFill>
+                  <a:schemeClr val="dk1"/>
+                </a:solidFill>
+                <a:latin typeface="+mn-lt"/>
+                <a:ea typeface="+mn-ea"/>
+                <a:cs typeface="+mn-cs"/>
+              </a:defRPr>
+            </a:lvl5pPr>
+            <a:lvl6pPr marL="2286000" algn="l" defTabSz="914400" rtl="0" eaLnBrk="1" latinLnBrk="0" hangingPunct="1">
+              <a:defRPr sz="1800" kern="1200">
+                <a:solidFill>
+                  <a:schemeClr val="dk1"/>
+                </a:solidFill>
+                <a:latin typeface="+mn-lt"/>
+                <a:ea typeface="+mn-ea"/>
+                <a:cs typeface="+mn-cs"/>
+              </a:defRPr>
+            </a:lvl6pPr>
+            <a:lvl7pPr marL="2743200" algn="l" defTabSz="914400" rtl="0" eaLnBrk="1" latinLnBrk="0" hangingPunct="1">
+              <a:defRPr sz="1800" kern="1200">
+                <a:solidFill>
+                  <a:schemeClr val="dk1"/>
+                </a:solidFill>
+                <a:latin typeface="+mn-lt"/>
+                <a:ea typeface="+mn-ea"/>
+                <a:cs typeface="+mn-cs"/>
+              </a:defRPr>
+            </a:lvl7pPr>
+            <a:lvl8pPr marL="3200400" algn="l" defTabSz="914400" rtl="0" eaLnBrk="1" latinLnBrk="0" hangingPunct="1">
+              <a:defRPr sz="1800" kern="1200">
+                <a:solidFill>
+                  <a:schemeClr val="dk1"/>
+                </a:solidFill>
+                <a:latin typeface="+mn-lt"/>
+                <a:ea typeface="+mn-ea"/>
+                <a:cs typeface="+mn-cs"/>
+              </a:defRPr>
+            </a:lvl8pPr>
+            <a:lvl9pPr marL="3657600" algn="l" defTabSz="914400" rtl="0" eaLnBrk="1" latinLnBrk="0" hangingPunct="1">
+              <a:defRPr sz="1800" kern="1200">
+                <a:solidFill>
+                  <a:schemeClr val="dk1"/>
+                </a:solidFill>
+                <a:latin typeface="+mn-lt"/>
+                <a:ea typeface="+mn-ea"/>
+                <a:cs typeface="+mn-cs"/>
+              </a:defRPr>
+            </a:lvl9pPr>
+          </a:lstStyle>
+          <a:p>
+            <a:pPr algn="ctr"/>
+            <a:r>
+              <a:rPr lang="en-US" sz="2800" b="1" dirty="0"/>
+              <a:t>Demo!</a:t>
+            </a:r>
           </a:p>
         </p:txBody>
       </p:sp>
     </p:spTree>
     <p:extLst>
       <p:ext uri="{BB962C8B-B14F-4D97-AF65-F5344CB8AC3E}">
-        <p14:creationId xmlns:p14="http://schemas.microsoft.com/office/powerpoint/2010/main" val="1944999832"/>
+        <p14:creationId xmlns:p14="http://schemas.microsoft.com/office/powerpoint/2010/main" val="2469951726"/>
       </p:ext>
     </p:extLst>
   </p:cSld>
@@ -6066,13 +6477,7 @@
       </p:grpSpPr>
       <p:sp>
         <p:nvSpPr>
-          <p:cNvPr id="2" name="Title 1">
-            <a:extLst>
-              <a:ext uri="{FF2B5EF4-FFF2-40B4-BE49-F238E27FC236}">
-                <a16:creationId xmlns:a16="http://schemas.microsoft.com/office/drawing/2014/main" id="{417F682D-1120-4DC5-9121-47BAD70A1C6E}"/>
-              </a:ext>
-            </a:extLst>
-          </p:cNvPr>
+          <p:cNvPr id="2" name="Title 1"/>
           <p:cNvSpPr>
             <a:spLocks noGrp="1"/>
           </p:cNvSpPr>
@@ -6087,72 +6492,148 @@
           <a:p>
             <a:r>
               <a:rPr lang="en-US" dirty="0"/>
-              <a:t>Transactions</a:t>
-            </a:r>
-          </a:p>
-        </p:txBody>
-      </p:sp>
-      <p:sp>
-        <p:nvSpPr>
-          <p:cNvPr id="3" name="Content Placeholder 2">
-            <a:extLst>
-              <a:ext uri="{FF2B5EF4-FFF2-40B4-BE49-F238E27FC236}">
-                <a16:creationId xmlns:a16="http://schemas.microsoft.com/office/drawing/2014/main" id="{994B8D91-8F45-4990-9D1F-C5364F389DE2}"/>
-              </a:ext>
-            </a:extLst>
-          </p:cNvPr>
-          <p:cNvSpPr>
-            <a:spLocks noGrp="1"/>
-          </p:cNvSpPr>
-          <p:nvPr>
-            <p:ph idx="1"/>
-          </p:nvPr>
-        </p:nvSpPr>
-        <p:spPr/>
-        <p:txBody>
-          <a:bodyPr/>
-          <a:lstStyle/>
-          <a:p>
-            <a:r>
-              <a:rPr lang="en-US" dirty="0"/>
-              <a:t>Every INSERT, UDPATE, and DELETE is a transaction</a:t>
-            </a:r>
-          </a:p>
-          <a:p>
-            <a:pPr lvl="1"/>
-            <a:r>
-              <a:rPr lang="en-US" dirty="0"/>
-              <a:t>100% complete or 100% fail</a:t>
-            </a:r>
-          </a:p>
-          <a:p>
-            <a:r>
-              <a:rPr lang="en-US" dirty="0"/>
-              <a:t>User-defined transactions</a:t>
-            </a:r>
-          </a:p>
-          <a:p>
-            <a:r>
-              <a:rPr lang="en-US" dirty="0"/>
-              <a:t>COMMIT TRAN only commits one level</a:t>
-            </a:r>
-          </a:p>
-          <a:p>
-            <a:r>
-              <a:rPr lang="en-US" dirty="0"/>
-              <a:t>ROLLBACK TRAN rolls back everything</a:t>
-            </a:r>
-          </a:p>
-          <a:p>
-            <a:r>
-              <a:rPr lang="en-US" dirty="0"/>
-              <a:t>@@TRANCOUNT tells you how deep you are</a:t>
-            </a:r>
-          </a:p>
-          <a:p>
-            <a:r>
-              <a:rPr lang="en-US" dirty="0"/>
-              <a:t>Do any logging after the ROLLBACK</a:t>
+              <a:t>DELETE in Batches</a:t>
+            </a:r>
+          </a:p>
+        </p:txBody>
+      </p:sp>
+      <p:sp>
+        <p:nvSpPr>
+          <p:cNvPr id="3" name="Rectangle 2"/>
+          <p:cNvSpPr/>
+          <p:nvPr/>
+        </p:nvSpPr>
+        <p:spPr>
+          <a:xfrm>
+            <a:off x="1011219" y="2133600"/>
+            <a:ext cx="10101430" cy="3108543"/>
+          </a:xfrm>
+          <a:prstGeom prst="rect">
+            <a:avLst/>
+          </a:prstGeom>
+        </p:spPr>
+        <p:txBody>
+          <a:bodyPr wrap="square">
+            <a:spAutoFit/>
+          </a:bodyPr>
+          <a:lstStyle/>
+          <a:p>
+            <a:r>
+              <a:rPr lang="en-US" sz="2800" dirty="0">
+                <a:latin typeface="Courier New" panose="02070309020205020404" pitchFamily="49" charset="0"/>
+                <a:cs typeface="Courier New" panose="02070309020205020404" pitchFamily="49" charset="0"/>
+              </a:rPr>
+              <a:t>DECLARE @</a:t>
+            </a:r>
+            <a:r>
+              <a:rPr lang="en-US" sz="2800" dirty="0" err="1">
+                <a:latin typeface="Courier New" panose="02070309020205020404" pitchFamily="49" charset="0"/>
+                <a:cs typeface="Courier New" panose="02070309020205020404" pitchFamily="49" charset="0"/>
+              </a:rPr>
+              <a:t>rowcount</a:t>
+            </a:r>
+            <a:r>
+              <a:rPr lang="en-US" sz="2800" dirty="0">
+                <a:latin typeface="Courier New" panose="02070309020205020404" pitchFamily="49" charset="0"/>
+                <a:cs typeface="Courier New" panose="02070309020205020404" pitchFamily="49" charset="0"/>
+              </a:rPr>
+              <a:t> INT = 500;</a:t>
+            </a:r>
+          </a:p>
+          <a:p>
+            <a:r>
+              <a:rPr lang="en-US" sz="2800" dirty="0">
+                <a:latin typeface="Courier New" panose="02070309020205020404" pitchFamily="49" charset="0"/>
+                <a:cs typeface="Courier New" panose="02070309020205020404" pitchFamily="49" charset="0"/>
+              </a:rPr>
+              <a:t>WHILE @</a:t>
+            </a:r>
+            <a:r>
+              <a:rPr lang="en-US" sz="2800" dirty="0" err="1">
+                <a:latin typeface="Courier New" panose="02070309020205020404" pitchFamily="49" charset="0"/>
+                <a:cs typeface="Courier New" panose="02070309020205020404" pitchFamily="49" charset="0"/>
+              </a:rPr>
+              <a:t>rowcount</a:t>
+            </a:r>
+            <a:r>
+              <a:rPr lang="en-US" sz="2800" dirty="0">
+                <a:latin typeface="Courier New" panose="02070309020205020404" pitchFamily="49" charset="0"/>
+                <a:cs typeface="Courier New" panose="02070309020205020404" pitchFamily="49" charset="0"/>
+              </a:rPr>
+              <a:t> = 500</a:t>
+            </a:r>
+          </a:p>
+          <a:p>
+            <a:r>
+              <a:rPr lang="en-US" sz="2800" dirty="0">
+                <a:latin typeface="Courier New" panose="02070309020205020404" pitchFamily="49" charset="0"/>
+                <a:cs typeface="Courier New" panose="02070309020205020404" pitchFamily="49" charset="0"/>
+              </a:rPr>
+              <a:t>  BEGIN</a:t>
+            </a:r>
+          </a:p>
+          <a:p>
+            <a:r>
+              <a:rPr lang="en-US" sz="2800" dirty="0">
+                <a:latin typeface="Courier New" panose="02070309020205020404" pitchFamily="49" charset="0"/>
+                <a:cs typeface="Courier New" panose="02070309020205020404" pitchFamily="49" charset="0"/>
+              </a:rPr>
+              <a:t>	DELETE TOP (500) FROM </a:t>
+            </a:r>
+            <a:r>
+              <a:rPr lang="en-US" sz="2800" dirty="0" err="1">
+                <a:latin typeface="Courier New" panose="02070309020205020404" pitchFamily="49" charset="0"/>
+                <a:cs typeface="Courier New" panose="02070309020205020404" pitchFamily="49" charset="0"/>
+              </a:rPr>
+              <a:t>dbo.EmailLoad</a:t>
+            </a:r>
+            <a:r>
+              <a:rPr lang="en-US" sz="2800" dirty="0">
+                <a:latin typeface="Courier New" panose="02070309020205020404" pitchFamily="49" charset="0"/>
+                <a:cs typeface="Courier New" panose="02070309020205020404" pitchFamily="49" charset="0"/>
+              </a:rPr>
+              <a:t>;</a:t>
+            </a:r>
+          </a:p>
+          <a:p>
+            <a:r>
+              <a:rPr lang="en-US" sz="2800" dirty="0">
+                <a:latin typeface="Courier New" panose="02070309020205020404" pitchFamily="49" charset="0"/>
+                <a:cs typeface="Courier New" panose="02070309020205020404" pitchFamily="49" charset="0"/>
+              </a:rPr>
+              <a:t>	SET @</a:t>
+            </a:r>
+            <a:r>
+              <a:rPr lang="en-US" sz="2800" dirty="0" err="1">
+                <a:latin typeface="Courier New" panose="02070309020205020404" pitchFamily="49" charset="0"/>
+                <a:cs typeface="Courier New" panose="02070309020205020404" pitchFamily="49" charset="0"/>
+              </a:rPr>
+              <a:t>rowcount</a:t>
+            </a:r>
+            <a:r>
+              <a:rPr lang="en-US" sz="2800" dirty="0">
+                <a:latin typeface="Courier New" panose="02070309020205020404" pitchFamily="49" charset="0"/>
+                <a:cs typeface="Courier New" panose="02070309020205020404" pitchFamily="49" charset="0"/>
+              </a:rPr>
+              <a:t> = @@ROWCOUNT;</a:t>
+            </a:r>
+          </a:p>
+          <a:p>
+            <a:r>
+              <a:rPr lang="en-US" sz="2800" dirty="0">
+                <a:latin typeface="Courier New" panose="02070309020205020404" pitchFamily="49" charset="0"/>
+                <a:cs typeface="Courier New" panose="02070309020205020404" pitchFamily="49" charset="0"/>
+              </a:rPr>
+              <a:t>	WAITFOR DELAY '00:00:01’;</a:t>
+            </a:r>
+          </a:p>
+          <a:p>
+            <a:r>
+              <a:rPr lang="en-US" sz="2800" dirty="0">
+                <a:latin typeface="Courier New" panose="02070309020205020404" pitchFamily="49" charset="0"/>
+                <a:cs typeface="Courier New" panose="02070309020205020404" pitchFamily="49" charset="0"/>
+              </a:rPr>
+              <a:t>  END</a:t>
             </a:r>
           </a:p>
         </p:txBody>
@@ -6160,7 +6641,7 @@
     </p:spTree>
     <p:extLst>
       <p:ext uri="{BB962C8B-B14F-4D97-AF65-F5344CB8AC3E}">
-        <p14:creationId xmlns:p14="http://schemas.microsoft.com/office/powerpoint/2010/main" val="1909129713"/>
+        <p14:creationId xmlns:p14="http://schemas.microsoft.com/office/powerpoint/2010/main" val="1439972168"/>
       </p:ext>
     </p:extLst>
   </p:cSld>
@@ -6192,7 +6673,7 @@
           <p:cNvPr id="2" name="Title 1">
             <a:extLst>
               <a:ext uri="{FF2B5EF4-FFF2-40B4-BE49-F238E27FC236}">
-                <a16:creationId xmlns:a16="http://schemas.microsoft.com/office/drawing/2014/main" id="{84F3DA95-0004-4925-841C-74DDF6CC0EA3}"/>
+                <a16:creationId xmlns:a16="http://schemas.microsoft.com/office/drawing/2014/main" id="{FC5EB80C-AA78-4E7E-A7CB-1391E6DD008C}"/>
               </a:ext>
             </a:extLst>
           </p:cNvPr>
@@ -6210,7 +6691,7 @@
           <a:p>
             <a:r>
               <a:rPr lang="en-US" dirty="0"/>
-              <a:t>CTE vs Temp Table vs Table Variable</a:t>
+              <a:t>OUTPUT Clause</a:t>
             </a:r>
           </a:p>
         </p:txBody>
@@ -6220,7 +6701,7 @@
           <p:cNvPr id="3" name="Content Placeholder 2">
             <a:extLst>
               <a:ext uri="{FF2B5EF4-FFF2-40B4-BE49-F238E27FC236}">
-                <a16:creationId xmlns:a16="http://schemas.microsoft.com/office/drawing/2014/main" id="{05D90366-3BB5-419A-881E-5AC277418E50}"/>
+                <a16:creationId xmlns:a16="http://schemas.microsoft.com/office/drawing/2014/main" id="{D68FC917-F34E-47B8-A50D-84E4B3645FEE}"/>
               </a:ext>
             </a:extLst>
           </p:cNvPr>
@@ -6238,46 +6719,305 @@
           <a:p>
             <a:r>
               <a:rPr lang="en-US" dirty="0"/>
-              <a:t>First, prefer Common Table Expression</a:t>
-            </a:r>
-          </a:p>
-          <a:p>
-            <a:r>
-              <a:rPr lang="en-US" dirty="0"/>
-              <a:t>Next, a table variable up to roughly 100 rows</a:t>
-            </a:r>
-          </a:p>
-          <a:p>
-            <a:r>
-              <a:rPr lang="en-US" dirty="0"/>
-              <a:t>Finally a temporary table</a:t>
-            </a:r>
-          </a:p>
-          <a:p>
-            <a:endParaRPr lang="en-US" dirty="0"/>
-          </a:p>
-          <a:p>
-            <a:r>
-              <a:rPr lang="en-US" dirty="0"/>
-              <a:t>Table Variables always assume one row in query plans</a:t>
-            </a:r>
-          </a:p>
-          <a:p>
-            <a:pPr lvl="1"/>
-            <a:r>
-              <a:rPr lang="en-US" dirty="0"/>
-              <a:t>Leads to some sketchy query plans</a:t>
-            </a:r>
-          </a:p>
-          <a:p>
-            <a:endParaRPr lang="en-US" dirty="0"/>
+              <a:t>Capture the results of an INSERT, UPDATE, or DELETE statement</a:t>
+            </a:r>
+          </a:p>
+          <a:p>
+            <a:r>
+              <a:rPr lang="en-US" dirty="0"/>
+              <a:t>Return it to the client</a:t>
+            </a:r>
+          </a:p>
+          <a:p>
+            <a:r>
+              <a:rPr lang="en-US" dirty="0"/>
+              <a:t>Or put it an another table</a:t>
+            </a:r>
+          </a:p>
+        </p:txBody>
+      </p:sp>
+      <p:sp>
+        <p:nvSpPr>
+          <p:cNvPr id="4" name="TextBox 3">
+            <a:extLst>
+              <a:ext uri="{FF2B5EF4-FFF2-40B4-BE49-F238E27FC236}">
+                <a16:creationId xmlns:a16="http://schemas.microsoft.com/office/drawing/2014/main" id="{DFD5E72D-16AB-4F97-B01F-E8006970899C}"/>
+              </a:ext>
+            </a:extLst>
+          </p:cNvPr>
+          <p:cNvSpPr txBox="1"/>
+          <p:nvPr/>
+        </p:nvSpPr>
+        <p:spPr>
+          <a:xfrm>
+            <a:off x="4564380" y="3429000"/>
+            <a:ext cx="6789420" cy="3046988"/>
+          </a:xfrm>
+          <a:prstGeom prst="rect">
+            <a:avLst/>
+          </a:prstGeom>
+          <a:noFill/>
+        </p:spPr>
+        <p:txBody>
+          <a:bodyPr wrap="square" rtlCol="0">
+            <a:spAutoFit/>
+          </a:bodyPr>
+          <a:lstStyle/>
+          <a:p>
+            <a:r>
+              <a:rPr lang="en-US" sz="2400" dirty="0">
+                <a:latin typeface="Courier New" panose="02070309020205020404" pitchFamily="49" charset="0"/>
+                <a:cs typeface="Courier New" panose="02070309020205020404" pitchFamily="49" charset="0"/>
+              </a:rPr>
+              <a:t>DELETE	</a:t>
+            </a:r>
+          </a:p>
+          <a:p>
+            <a:r>
+              <a:rPr lang="en-US" sz="2400" dirty="0">
+                <a:latin typeface="Courier New" panose="02070309020205020404" pitchFamily="49" charset="0"/>
+                <a:cs typeface="Courier New" panose="02070309020205020404" pitchFamily="49" charset="0"/>
+              </a:rPr>
+              <a:t>	</a:t>
+            </a:r>
+            <a:r>
+              <a:rPr lang="en-US" sz="2400" dirty="0" err="1">
+                <a:latin typeface="Courier New" panose="02070309020205020404" pitchFamily="49" charset="0"/>
+                <a:cs typeface="Courier New" panose="02070309020205020404" pitchFamily="49" charset="0"/>
+              </a:rPr>
+              <a:t>Sales.SalesOrderHeader</a:t>
+            </a:r>
+            <a:endParaRPr lang="en-US" sz="2400" dirty="0">
+              <a:latin typeface="Courier New" panose="02070309020205020404" pitchFamily="49" charset="0"/>
+              <a:cs typeface="Courier New" panose="02070309020205020404" pitchFamily="49" charset="0"/>
+            </a:endParaRPr>
+          </a:p>
+          <a:p>
+            <a:r>
+              <a:rPr lang="en-US" sz="2400" dirty="0">
+                <a:latin typeface="Courier New" panose="02070309020205020404" pitchFamily="49" charset="0"/>
+                <a:cs typeface="Courier New" panose="02070309020205020404" pitchFamily="49" charset="0"/>
+              </a:rPr>
+              <a:t>OUTPUT 	</a:t>
+            </a:r>
+          </a:p>
+          <a:p>
+            <a:r>
+              <a:rPr lang="en-US" sz="2400" dirty="0">
+                <a:latin typeface="Courier New" panose="02070309020205020404" pitchFamily="49" charset="0"/>
+                <a:cs typeface="Courier New" panose="02070309020205020404" pitchFamily="49" charset="0"/>
+              </a:rPr>
+              <a:t>	deleted.*</a:t>
+            </a:r>
+          </a:p>
+          <a:p>
+            <a:r>
+              <a:rPr lang="en-US" sz="2400" dirty="0">
+                <a:latin typeface="Courier New" panose="02070309020205020404" pitchFamily="49" charset="0"/>
+                <a:cs typeface="Courier New" panose="02070309020205020404" pitchFamily="49" charset="0"/>
+              </a:rPr>
+              <a:t>INTO</a:t>
+            </a:r>
+          </a:p>
+          <a:p>
+            <a:r>
+              <a:rPr lang="en-US" sz="2400" dirty="0">
+                <a:latin typeface="Courier New" panose="02070309020205020404" pitchFamily="49" charset="0"/>
+                <a:cs typeface="Courier New" panose="02070309020205020404" pitchFamily="49" charset="0"/>
+              </a:rPr>
+              <a:t>	</a:t>
+            </a:r>
+            <a:r>
+              <a:rPr lang="en-US" sz="2400" dirty="0" err="1">
+                <a:latin typeface="Courier New" panose="02070309020205020404" pitchFamily="49" charset="0"/>
+                <a:cs typeface="Courier New" panose="02070309020205020404" pitchFamily="49" charset="0"/>
+              </a:rPr>
+              <a:t>Archive.Sales.SalesOrderHeader</a:t>
+            </a:r>
+            <a:endParaRPr lang="en-US" sz="2400" dirty="0">
+              <a:latin typeface="Courier New" panose="02070309020205020404" pitchFamily="49" charset="0"/>
+              <a:cs typeface="Courier New" panose="02070309020205020404" pitchFamily="49" charset="0"/>
+            </a:endParaRPr>
+          </a:p>
+          <a:p>
+            <a:r>
+              <a:rPr lang="en-US" sz="2400" dirty="0">
+                <a:latin typeface="Courier New" panose="02070309020205020404" pitchFamily="49" charset="0"/>
+                <a:cs typeface="Courier New" panose="02070309020205020404" pitchFamily="49" charset="0"/>
+              </a:rPr>
+              <a:t>WHERE</a:t>
+            </a:r>
+          </a:p>
+          <a:p>
+            <a:r>
+              <a:rPr lang="en-US" sz="2400" dirty="0">
+                <a:latin typeface="Courier New" panose="02070309020205020404" pitchFamily="49" charset="0"/>
+                <a:cs typeface="Courier New" panose="02070309020205020404" pitchFamily="49" charset="0"/>
+              </a:rPr>
+              <a:t>	</a:t>
+            </a:r>
+            <a:r>
+              <a:rPr lang="en-US" sz="2400" dirty="0" err="1">
+                <a:latin typeface="Courier New" panose="02070309020205020404" pitchFamily="49" charset="0"/>
+                <a:cs typeface="Courier New" panose="02070309020205020404" pitchFamily="49" charset="0"/>
+              </a:rPr>
+              <a:t>OrderDate</a:t>
+            </a:r>
+            <a:r>
+              <a:rPr lang="en-US" sz="2400" dirty="0">
+                <a:latin typeface="Courier New" panose="02070309020205020404" pitchFamily="49" charset="0"/>
+                <a:cs typeface="Courier New" panose="02070309020205020404" pitchFamily="49" charset="0"/>
+              </a:rPr>
+              <a:t> &lt; ‘1/1/2010’</a:t>
+            </a:r>
+          </a:p>
+        </p:txBody>
+      </p:sp>
+      <p:sp>
+        <p:nvSpPr>
+          <p:cNvPr id="5" name="12-Point Star 3">
+            <a:extLst>
+              <a:ext uri="{FF2B5EF4-FFF2-40B4-BE49-F238E27FC236}">
+                <a16:creationId xmlns:a16="http://schemas.microsoft.com/office/drawing/2014/main" id="{43E72B8A-889B-4299-AE25-F24FD5AEF337}"/>
+              </a:ext>
+            </a:extLst>
+          </p:cNvPr>
+          <p:cNvSpPr/>
+          <p:nvPr/>
+        </p:nvSpPr>
+        <p:spPr>
+          <a:xfrm rot="1816144">
+            <a:off x="1168106" y="4033534"/>
+            <a:ext cx="2352055" cy="1369390"/>
+          </a:xfrm>
+          <a:prstGeom prst="star12">
+            <a:avLst/>
+          </a:prstGeom>
+        </p:spPr>
+        <p:style>
+          <a:lnRef idx="1">
+            <a:schemeClr val="accent5"/>
+          </a:lnRef>
+          <a:fillRef idx="2">
+            <a:schemeClr val="accent5"/>
+          </a:fillRef>
+          <a:effectRef idx="1">
+            <a:schemeClr val="accent5"/>
+          </a:effectRef>
+          <a:fontRef idx="minor">
+            <a:schemeClr val="dk1"/>
+          </a:fontRef>
+        </p:style>
+        <p:txBody>
+          <a:bodyPr rtlCol="0" anchor="ctr"/>
+          <a:lstStyle>
+            <a:defPPr>
+              <a:defRPr lang="en-US"/>
+            </a:defPPr>
+            <a:lvl1pPr marL="0" algn="l" defTabSz="914400" rtl="0" eaLnBrk="1" latinLnBrk="0" hangingPunct="1">
+              <a:defRPr sz="1800" kern="1200">
+                <a:solidFill>
+                  <a:schemeClr val="dk1"/>
+                </a:solidFill>
+                <a:latin typeface="+mn-lt"/>
+                <a:ea typeface="+mn-ea"/>
+                <a:cs typeface="+mn-cs"/>
+              </a:defRPr>
+            </a:lvl1pPr>
+            <a:lvl2pPr marL="457200" algn="l" defTabSz="914400" rtl="0" eaLnBrk="1" latinLnBrk="0" hangingPunct="1">
+              <a:defRPr sz="1800" kern="1200">
+                <a:solidFill>
+                  <a:schemeClr val="dk1"/>
+                </a:solidFill>
+                <a:latin typeface="+mn-lt"/>
+                <a:ea typeface="+mn-ea"/>
+                <a:cs typeface="+mn-cs"/>
+              </a:defRPr>
+            </a:lvl2pPr>
+            <a:lvl3pPr marL="914400" algn="l" defTabSz="914400" rtl="0" eaLnBrk="1" latinLnBrk="0" hangingPunct="1">
+              <a:defRPr sz="1800" kern="1200">
+                <a:solidFill>
+                  <a:schemeClr val="dk1"/>
+                </a:solidFill>
+                <a:latin typeface="+mn-lt"/>
+                <a:ea typeface="+mn-ea"/>
+                <a:cs typeface="+mn-cs"/>
+              </a:defRPr>
+            </a:lvl3pPr>
+            <a:lvl4pPr marL="1371600" algn="l" defTabSz="914400" rtl="0" eaLnBrk="1" latinLnBrk="0" hangingPunct="1">
+              <a:defRPr sz="1800" kern="1200">
+                <a:solidFill>
+                  <a:schemeClr val="dk1"/>
+                </a:solidFill>
+                <a:latin typeface="+mn-lt"/>
+                <a:ea typeface="+mn-ea"/>
+                <a:cs typeface="+mn-cs"/>
+              </a:defRPr>
+            </a:lvl4pPr>
+            <a:lvl5pPr marL="1828800" algn="l" defTabSz="914400" rtl="0" eaLnBrk="1" latinLnBrk="0" hangingPunct="1">
+              <a:defRPr sz="1800" kern="1200">
+                <a:solidFill>
+                  <a:schemeClr val="dk1"/>
+                </a:solidFill>
+                <a:latin typeface="+mn-lt"/>
+                <a:ea typeface="+mn-ea"/>
+                <a:cs typeface="+mn-cs"/>
+              </a:defRPr>
+            </a:lvl5pPr>
+            <a:lvl6pPr marL="2286000" algn="l" defTabSz="914400" rtl="0" eaLnBrk="1" latinLnBrk="0" hangingPunct="1">
+              <a:defRPr sz="1800" kern="1200">
+                <a:solidFill>
+                  <a:schemeClr val="dk1"/>
+                </a:solidFill>
+                <a:latin typeface="+mn-lt"/>
+                <a:ea typeface="+mn-ea"/>
+                <a:cs typeface="+mn-cs"/>
+              </a:defRPr>
+            </a:lvl6pPr>
+            <a:lvl7pPr marL="2743200" algn="l" defTabSz="914400" rtl="0" eaLnBrk="1" latinLnBrk="0" hangingPunct="1">
+              <a:defRPr sz="1800" kern="1200">
+                <a:solidFill>
+                  <a:schemeClr val="dk1"/>
+                </a:solidFill>
+                <a:latin typeface="+mn-lt"/>
+                <a:ea typeface="+mn-ea"/>
+                <a:cs typeface="+mn-cs"/>
+              </a:defRPr>
+            </a:lvl7pPr>
+            <a:lvl8pPr marL="3200400" algn="l" defTabSz="914400" rtl="0" eaLnBrk="1" latinLnBrk="0" hangingPunct="1">
+              <a:defRPr sz="1800" kern="1200">
+                <a:solidFill>
+                  <a:schemeClr val="dk1"/>
+                </a:solidFill>
+                <a:latin typeface="+mn-lt"/>
+                <a:ea typeface="+mn-ea"/>
+                <a:cs typeface="+mn-cs"/>
+              </a:defRPr>
+            </a:lvl8pPr>
+            <a:lvl9pPr marL="3657600" algn="l" defTabSz="914400" rtl="0" eaLnBrk="1" latinLnBrk="0" hangingPunct="1">
+              <a:defRPr sz="1800" kern="1200">
+                <a:solidFill>
+                  <a:schemeClr val="dk1"/>
+                </a:solidFill>
+                <a:latin typeface="+mn-lt"/>
+                <a:ea typeface="+mn-ea"/>
+                <a:cs typeface="+mn-cs"/>
+              </a:defRPr>
+            </a:lvl9pPr>
+          </a:lstStyle>
+          <a:p>
+            <a:pPr algn="ctr"/>
+            <a:r>
+              <a:rPr lang="en-US" sz="2800" b="1" dirty="0"/>
+              <a:t>Demo!</a:t>
+            </a:r>
           </a:p>
         </p:txBody>
       </p:sp>
     </p:spTree>
     <p:extLst>
       <p:ext uri="{BB962C8B-B14F-4D97-AF65-F5344CB8AC3E}">
-        <p14:creationId xmlns:p14="http://schemas.microsoft.com/office/powerpoint/2010/main" val="179674153"/>
+        <p14:creationId xmlns:p14="http://schemas.microsoft.com/office/powerpoint/2010/main" val="494629984"/>
       </p:ext>
     </p:extLst>
   </p:cSld>
@@ -6306,7 +7046,13 @@
       </p:grpSpPr>
       <p:sp>
         <p:nvSpPr>
-          <p:cNvPr id="2" name="Title 1"/>
+          <p:cNvPr id="2" name="Title 1">
+            <a:extLst>
+              <a:ext uri="{FF2B5EF4-FFF2-40B4-BE49-F238E27FC236}">
+                <a16:creationId xmlns:a16="http://schemas.microsoft.com/office/drawing/2014/main" id="{0B7C0254-5627-4CCD-A044-4C583825C96F}"/>
+              </a:ext>
+            </a:extLst>
+          </p:cNvPr>
           <p:cNvSpPr>
             <a:spLocks noGrp="1"/>
           </p:cNvSpPr>
@@ -6321,75 +7067,130 @@
           <a:p>
             <a:r>
               <a:rPr lang="en-US" dirty="0"/>
-              <a:t>DELETE in Batches</a:t>
-            </a:r>
-          </a:p>
-        </p:txBody>
-      </p:sp>
-      <p:sp>
-        <p:nvSpPr>
-          <p:cNvPr id="3" name="Rectangle 2"/>
-          <p:cNvSpPr/>
-          <p:nvPr/>
-        </p:nvSpPr>
-        <p:spPr>
-          <a:xfrm>
-            <a:off x="2438400" y="2133600"/>
-            <a:ext cx="6934200" cy="1938992"/>
-          </a:xfrm>
-          <a:prstGeom prst="rect">
-            <a:avLst/>
-          </a:prstGeom>
-        </p:spPr>
-        <p:txBody>
-          <a:bodyPr wrap="square">
-            <a:spAutoFit/>
+              <a:t>Linked Servers are THE DEVIL!</a:t>
+            </a:r>
+          </a:p>
+        </p:txBody>
+      </p:sp>
+      <p:sp>
+        <p:nvSpPr>
+          <p:cNvPr id="3" name="Content Placeholder 2">
+            <a:extLst>
+              <a:ext uri="{FF2B5EF4-FFF2-40B4-BE49-F238E27FC236}">
+                <a16:creationId xmlns:a16="http://schemas.microsoft.com/office/drawing/2014/main" id="{62C1D7F0-751E-406C-97B4-B1BF1962E43C}"/>
+              </a:ext>
+            </a:extLst>
+          </p:cNvPr>
+          <p:cNvSpPr>
+            <a:spLocks noGrp="1"/>
+          </p:cNvSpPr>
+          <p:nvPr>
+            <p:ph idx="1"/>
+          </p:nvPr>
+        </p:nvSpPr>
+        <p:spPr/>
+        <p:txBody>
+          <a:bodyPr>
+            <a:normAutofit lnSpcReduction="10000"/>
           </a:bodyPr>
           <a:lstStyle/>
           <a:p>
             <a:r>
-              <a:rPr lang="en-US" sz="2400" dirty="0"/>
-              <a:t>WHILE EXISTS (SELECT * FROM </a:t>
-            </a:r>
-            <a:r>
-              <a:rPr lang="en-US" sz="2400" dirty="0" err="1"/>
-              <a:t>dbo.EmailLoad</a:t>
-            </a:r>
-            <a:r>
-              <a:rPr lang="en-US" sz="2400" dirty="0"/>
-              <a:t>)</a:t>
-            </a:r>
-          </a:p>
-          <a:p>
-            <a:r>
-              <a:rPr lang="en-US" sz="2400" dirty="0"/>
-              <a:t>BEGIN</a:t>
-            </a:r>
-          </a:p>
-          <a:p>
-            <a:r>
-              <a:rPr lang="en-US" sz="2400" dirty="0"/>
-              <a:t>	DELETE TOP (500) FROM </a:t>
-            </a:r>
-            <a:r>
-              <a:rPr lang="en-US" sz="2400" dirty="0" err="1"/>
-              <a:t>dbo.EmailLoad</a:t>
-            </a:r>
-            <a:r>
-              <a:rPr lang="en-US" sz="2400" dirty="0"/>
-              <a:t>;</a:t>
-            </a:r>
-          </a:p>
-          <a:p>
-            <a:r>
-              <a:rPr lang="en-US" sz="2400" dirty="0"/>
-              <a:t>	WAITFOR DELAY '00:00:01';</a:t>
-            </a:r>
-          </a:p>
-          <a:p>
-            <a:r>
-              <a:rPr lang="en-US" sz="2400" dirty="0"/>
-              <a:t>END</a:t>
+              <a:rPr lang="en-US" dirty="0"/>
+              <a:t>Super, easy, crazy convenient</a:t>
+            </a:r>
+          </a:p>
+          <a:p>
+            <a:pPr lvl="1"/>
+            <a:r>
+              <a:rPr lang="en-US" dirty="0"/>
+              <a:t>SELECT TOP 100 * FROM </a:t>
+            </a:r>
+            <a:r>
+              <a:rPr lang="en-US" dirty="0" err="1"/>
+              <a:t>LinkedServer.TxnDB.dbo.Customer</a:t>
+            </a:r>
+            <a:endParaRPr lang="en-US" dirty="0"/>
+          </a:p>
+          <a:p>
+            <a:r>
+              <a:rPr lang="en-US" dirty="0"/>
+              <a:t>NEVER write cross-server joins</a:t>
+            </a:r>
+          </a:p>
+          <a:p>
+            <a:pPr lvl="1"/>
+            <a:r>
+              <a:rPr lang="en-US" dirty="0"/>
+              <a:t>EXEC @</a:t>
+            </a:r>
+            <a:r>
+              <a:rPr lang="en-US" dirty="0" err="1"/>
+              <a:t>sql</a:t>
+            </a:r>
+            <a:r>
+              <a:rPr lang="en-US" dirty="0"/>
+              <a:t> AT [LS-</a:t>
+            </a:r>
+            <a:r>
+              <a:rPr lang="en-US" dirty="0" err="1"/>
+              <a:t>remoteserver</a:t>
+            </a:r>
+            <a:r>
+              <a:rPr lang="en-US" dirty="0"/>
+              <a:t>]</a:t>
+            </a:r>
+          </a:p>
+          <a:p>
+            <a:r>
+              <a:rPr lang="en-US" dirty="0"/>
+              <a:t>Always use “current logins security context” or allow specific logins</a:t>
+            </a:r>
+          </a:p>
+          <a:p>
+            <a:pPr lvl="1"/>
+            <a:r>
+              <a:rPr lang="en-US" dirty="0"/>
+              <a:t>Avoid privilege escalation</a:t>
+            </a:r>
+          </a:p>
+          <a:p>
+            <a:r>
+              <a:rPr lang="en-US" dirty="0"/>
+              <a:t>Distributed transactions are UGLY (worse across domains)</a:t>
+            </a:r>
+          </a:p>
+          <a:p>
+            <a:r>
+              <a:rPr lang="en-US" dirty="0"/>
+              <a:t>Don’t name based on IP or server or instance.  </a:t>
+            </a:r>
+          </a:p>
+          <a:p>
+            <a:pPr lvl="1"/>
+            <a:r>
+              <a:rPr lang="en-US" dirty="0"/>
+              <a:t>ALWAYS point to a static DNS or hosts file entry</a:t>
+            </a:r>
+          </a:p>
+          <a:p>
+            <a:r>
+              <a:rPr lang="en-US" dirty="0"/>
+              <a:t>Maybe consider one linked server per database</a:t>
+            </a:r>
+          </a:p>
+          <a:p>
+            <a:r>
+              <a:rPr lang="en-US" dirty="0"/>
+              <a:t>Name them something that requires brackets: [LS-</a:t>
+            </a:r>
+            <a:r>
+              <a:rPr lang="en-US" dirty="0" err="1"/>
+              <a:t>TxnDB</a:t>
+            </a:r>
+            <a:r>
+              <a:rPr lang="en-US" dirty="0"/>
+              <a:t>]</a:t>
             </a:r>
           </a:p>
         </p:txBody>
@@ -6397,7 +7198,7 @@
     </p:spTree>
     <p:extLst>
       <p:ext uri="{BB962C8B-B14F-4D97-AF65-F5344CB8AC3E}">
-        <p14:creationId xmlns:p14="http://schemas.microsoft.com/office/powerpoint/2010/main" val="1439972168"/>
+        <p14:creationId xmlns:p14="http://schemas.microsoft.com/office/powerpoint/2010/main" val="889742310"/>
       </p:ext>
     </p:extLst>
   </p:cSld>
@@ -6429,7 +7230,7 @@
           <p:cNvPr id="2" name="Title 1">
             <a:extLst>
               <a:ext uri="{FF2B5EF4-FFF2-40B4-BE49-F238E27FC236}">
-                <a16:creationId xmlns:a16="http://schemas.microsoft.com/office/drawing/2014/main" id="{FC5EB80C-AA78-4E7E-A7CB-1391E6DD008C}"/>
+                <a16:creationId xmlns:a16="http://schemas.microsoft.com/office/drawing/2014/main" id="{2A9F7BCC-3CF1-4B3A-A487-2696640886D5}"/>
               </a:ext>
             </a:extLst>
           </p:cNvPr>
@@ -6447,7 +7248,7 @@
           <a:p>
             <a:r>
               <a:rPr lang="en-US" dirty="0"/>
-              <a:t>OUTPUT Clause</a:t>
+              <a:t>SQL Server Errors</a:t>
             </a:r>
           </a:p>
         </p:txBody>
@@ -6457,7 +7258,7 @@
           <p:cNvPr id="3" name="Content Placeholder 2">
             <a:extLst>
               <a:ext uri="{FF2B5EF4-FFF2-40B4-BE49-F238E27FC236}">
-                <a16:creationId xmlns:a16="http://schemas.microsoft.com/office/drawing/2014/main" id="{D68FC917-F34E-47B8-A50D-84E4B3645FEE}"/>
+                <a16:creationId xmlns:a16="http://schemas.microsoft.com/office/drawing/2014/main" id="{0D45B25E-C274-4F23-8F7C-69F3ED65463A}"/>
               </a:ext>
             </a:extLst>
           </p:cNvPr>
@@ -6475,156 +7276,478 @@
           <a:p>
             <a:r>
               <a:rPr lang="en-US" dirty="0"/>
-              <a:t>Capture the results of an INSERT, UPDATE, or DELETE statement</a:t>
-            </a:r>
-          </a:p>
-          <a:p>
-            <a:r>
-              <a:rPr lang="en-US" dirty="0"/>
-              <a:t>Return it to the client</a:t>
-            </a:r>
-          </a:p>
-          <a:p>
-            <a:r>
-              <a:rPr lang="en-US" dirty="0"/>
-              <a:t>Or put it an another table</a:t>
-            </a:r>
-          </a:p>
-        </p:txBody>
-      </p:sp>
-      <p:sp>
-        <p:nvSpPr>
-          <p:cNvPr id="4" name="TextBox 3">
+              <a:t>SQL Server Errors</a:t>
+            </a:r>
+          </a:p>
+          <a:p>
+            <a:pPr lvl="1"/>
+            <a:r>
+              <a:rPr lang="en-US" dirty="0"/>
+              <a:t>Message number, severity, and state</a:t>
+            </a:r>
+          </a:p>
+          <a:p>
+            <a:r>
+              <a:rPr lang="en-US" dirty="0"/>
+              <a:t>Will try to continue unless SET XACT_ABORT ON</a:t>
+            </a:r>
+          </a:p>
+          <a:p>
+            <a:r>
+              <a:rPr lang="en-US" dirty="0"/>
+              <a:t>Don’t use RAISERROR unless it’s something you need to investigate and correct</a:t>
+            </a:r>
+          </a:p>
+          <a:p>
+            <a:pPr lvl="1"/>
+            <a:r>
+              <a:rPr lang="en-US" dirty="0"/>
+              <a:t>Return a status code</a:t>
+            </a:r>
+          </a:p>
+          <a:p>
+            <a:pPr lvl="1"/>
+            <a:r>
+              <a:rPr lang="en-US" dirty="0"/>
+              <a:t>Return an empty set</a:t>
+            </a:r>
+          </a:p>
+          <a:p>
+            <a:r>
+              <a:rPr lang="en-US" dirty="0"/>
+              <a:t>TRY … CATCH to consume errors</a:t>
+            </a:r>
+          </a:p>
+          <a:p>
+            <a:r>
+              <a:rPr lang="en-US" dirty="0"/>
+              <a:t>THROW to rethrow errors</a:t>
+            </a:r>
+          </a:p>
+          <a:p>
+            <a:endParaRPr lang="en-US" dirty="0"/>
+          </a:p>
+        </p:txBody>
+      </p:sp>
+      <p:sp>
+        <p:nvSpPr>
+          <p:cNvPr id="4" name="12-Point Star 3">
             <a:extLst>
               <a:ext uri="{FF2B5EF4-FFF2-40B4-BE49-F238E27FC236}">
-                <a16:creationId xmlns:a16="http://schemas.microsoft.com/office/drawing/2014/main" id="{DFD5E72D-16AB-4F97-B01F-E8006970899C}"/>
+                <a16:creationId xmlns:a16="http://schemas.microsoft.com/office/drawing/2014/main" id="{987A81DF-9372-43B0-AE15-9E5408AB53B0}"/>
               </a:ext>
             </a:extLst>
           </p:cNvPr>
-          <p:cNvSpPr txBox="1"/>
+          <p:cNvSpPr/>
           <p:nvPr/>
         </p:nvSpPr>
         <p:spPr>
-          <a:xfrm>
-            <a:off x="4564380" y="3429000"/>
-            <a:ext cx="6789420" cy="3046988"/>
+          <a:xfrm rot="1816144">
+            <a:off x="6280799" y="771572"/>
+            <a:ext cx="2352055" cy="1369390"/>
           </a:xfrm>
-          <a:prstGeom prst="rect">
+          <a:prstGeom prst="star12">
             <a:avLst/>
           </a:prstGeom>
-          <a:noFill/>
         </p:spPr>
-        <p:txBody>
-          <a:bodyPr wrap="square" rtlCol="0">
-            <a:spAutoFit/>
-          </a:bodyPr>
-          <a:lstStyle/>
-          <a:p>
-            <a:r>
-              <a:rPr lang="en-US" sz="2400" dirty="0">
-                <a:latin typeface="Courier New" panose="02070309020205020404" pitchFamily="49" charset="0"/>
-                <a:cs typeface="Courier New" panose="02070309020205020404" pitchFamily="49" charset="0"/>
-              </a:rPr>
-              <a:t>DELETE	</a:t>
-            </a:r>
-          </a:p>
-          <a:p>
-            <a:r>
-              <a:rPr lang="en-US" sz="2400" dirty="0">
-                <a:latin typeface="Courier New" panose="02070309020205020404" pitchFamily="49" charset="0"/>
-                <a:cs typeface="Courier New" panose="02070309020205020404" pitchFamily="49" charset="0"/>
-              </a:rPr>
-              <a:t>	</a:t>
-            </a:r>
-            <a:r>
-              <a:rPr lang="en-US" sz="2400" dirty="0" err="1">
-                <a:latin typeface="Courier New" panose="02070309020205020404" pitchFamily="49" charset="0"/>
-                <a:cs typeface="Courier New" panose="02070309020205020404" pitchFamily="49" charset="0"/>
-              </a:rPr>
-              <a:t>Sales.SalesOrderHeader</a:t>
-            </a:r>
-            <a:endParaRPr lang="en-US" sz="2400" dirty="0">
-              <a:latin typeface="Courier New" panose="02070309020205020404" pitchFamily="49" charset="0"/>
-              <a:cs typeface="Courier New" panose="02070309020205020404" pitchFamily="49" charset="0"/>
-            </a:endParaRPr>
-          </a:p>
-          <a:p>
-            <a:r>
-              <a:rPr lang="en-US" sz="2400" dirty="0">
-                <a:latin typeface="Courier New" panose="02070309020205020404" pitchFamily="49" charset="0"/>
-                <a:cs typeface="Courier New" panose="02070309020205020404" pitchFamily="49" charset="0"/>
-              </a:rPr>
-              <a:t>OUTPUT 	</a:t>
-            </a:r>
-          </a:p>
-          <a:p>
-            <a:r>
-              <a:rPr lang="en-US" sz="2400" dirty="0">
-                <a:latin typeface="Courier New" panose="02070309020205020404" pitchFamily="49" charset="0"/>
-                <a:cs typeface="Courier New" panose="02070309020205020404" pitchFamily="49" charset="0"/>
-              </a:rPr>
-              <a:t>	deleted.*</a:t>
-            </a:r>
-          </a:p>
-          <a:p>
-            <a:r>
-              <a:rPr lang="en-US" sz="2400" dirty="0">
-                <a:latin typeface="Courier New" panose="02070309020205020404" pitchFamily="49" charset="0"/>
-                <a:cs typeface="Courier New" panose="02070309020205020404" pitchFamily="49" charset="0"/>
-              </a:rPr>
-              <a:t>INTO</a:t>
-            </a:r>
-          </a:p>
-          <a:p>
-            <a:r>
-              <a:rPr lang="en-US" sz="2400" dirty="0">
-                <a:latin typeface="Courier New" panose="02070309020205020404" pitchFamily="49" charset="0"/>
-                <a:cs typeface="Courier New" panose="02070309020205020404" pitchFamily="49" charset="0"/>
-              </a:rPr>
-              <a:t>	</a:t>
-            </a:r>
-            <a:r>
-              <a:rPr lang="en-US" sz="2400" dirty="0" err="1">
-                <a:latin typeface="Courier New" panose="02070309020205020404" pitchFamily="49" charset="0"/>
-                <a:cs typeface="Courier New" panose="02070309020205020404" pitchFamily="49" charset="0"/>
-              </a:rPr>
-              <a:t>Archive.Sales.SalesOrderHeader</a:t>
-            </a:r>
-            <a:endParaRPr lang="en-US" sz="2400" dirty="0">
-              <a:latin typeface="Courier New" panose="02070309020205020404" pitchFamily="49" charset="0"/>
-              <a:cs typeface="Courier New" panose="02070309020205020404" pitchFamily="49" charset="0"/>
-            </a:endParaRPr>
-          </a:p>
-          <a:p>
-            <a:r>
-              <a:rPr lang="en-US" sz="2400" dirty="0">
-                <a:latin typeface="Courier New" panose="02070309020205020404" pitchFamily="49" charset="0"/>
-                <a:cs typeface="Courier New" panose="02070309020205020404" pitchFamily="49" charset="0"/>
-              </a:rPr>
-              <a:t>WHERE</a:t>
-            </a:r>
-          </a:p>
-          <a:p>
-            <a:r>
-              <a:rPr lang="en-US" sz="2400" dirty="0">
-                <a:latin typeface="Courier New" panose="02070309020205020404" pitchFamily="49" charset="0"/>
-                <a:cs typeface="Courier New" panose="02070309020205020404" pitchFamily="49" charset="0"/>
-              </a:rPr>
-              <a:t>	</a:t>
-            </a:r>
-            <a:r>
-              <a:rPr lang="en-US" sz="2400" dirty="0" err="1">
-                <a:latin typeface="Courier New" panose="02070309020205020404" pitchFamily="49" charset="0"/>
-                <a:cs typeface="Courier New" panose="02070309020205020404" pitchFamily="49" charset="0"/>
-              </a:rPr>
-              <a:t>OrderDate</a:t>
-            </a:r>
-            <a:r>
-              <a:rPr lang="en-US" sz="2400" dirty="0">
-                <a:latin typeface="Courier New" panose="02070309020205020404" pitchFamily="49" charset="0"/>
-                <a:cs typeface="Courier New" panose="02070309020205020404" pitchFamily="49" charset="0"/>
-              </a:rPr>
-              <a:t> &lt; ‘1/1/2010’</a:t>
+        <p:style>
+          <a:lnRef idx="1">
+            <a:schemeClr val="accent5"/>
+          </a:lnRef>
+          <a:fillRef idx="2">
+            <a:schemeClr val="accent5"/>
+          </a:fillRef>
+          <a:effectRef idx="1">
+            <a:schemeClr val="accent5"/>
+          </a:effectRef>
+          <a:fontRef idx="minor">
+            <a:schemeClr val="dk1"/>
+          </a:fontRef>
+        </p:style>
+        <p:txBody>
+          <a:bodyPr rtlCol="0" anchor="ctr"/>
+          <a:lstStyle>
+            <a:defPPr>
+              <a:defRPr lang="en-US"/>
+            </a:defPPr>
+            <a:lvl1pPr marL="0" algn="l" defTabSz="914400" rtl="0" eaLnBrk="1" latinLnBrk="0" hangingPunct="1">
+              <a:defRPr sz="1800" kern="1200">
+                <a:solidFill>
+                  <a:schemeClr val="dk1"/>
+                </a:solidFill>
+                <a:latin typeface="+mn-lt"/>
+                <a:ea typeface="+mn-ea"/>
+                <a:cs typeface="+mn-cs"/>
+              </a:defRPr>
+            </a:lvl1pPr>
+            <a:lvl2pPr marL="457200" algn="l" defTabSz="914400" rtl="0" eaLnBrk="1" latinLnBrk="0" hangingPunct="1">
+              <a:defRPr sz="1800" kern="1200">
+                <a:solidFill>
+                  <a:schemeClr val="dk1"/>
+                </a:solidFill>
+                <a:latin typeface="+mn-lt"/>
+                <a:ea typeface="+mn-ea"/>
+                <a:cs typeface="+mn-cs"/>
+              </a:defRPr>
+            </a:lvl2pPr>
+            <a:lvl3pPr marL="914400" algn="l" defTabSz="914400" rtl="0" eaLnBrk="1" latinLnBrk="0" hangingPunct="1">
+              <a:defRPr sz="1800" kern="1200">
+                <a:solidFill>
+                  <a:schemeClr val="dk1"/>
+                </a:solidFill>
+                <a:latin typeface="+mn-lt"/>
+                <a:ea typeface="+mn-ea"/>
+                <a:cs typeface="+mn-cs"/>
+              </a:defRPr>
+            </a:lvl3pPr>
+            <a:lvl4pPr marL="1371600" algn="l" defTabSz="914400" rtl="0" eaLnBrk="1" latinLnBrk="0" hangingPunct="1">
+              <a:defRPr sz="1800" kern="1200">
+                <a:solidFill>
+                  <a:schemeClr val="dk1"/>
+                </a:solidFill>
+                <a:latin typeface="+mn-lt"/>
+                <a:ea typeface="+mn-ea"/>
+                <a:cs typeface="+mn-cs"/>
+              </a:defRPr>
+            </a:lvl4pPr>
+            <a:lvl5pPr marL="1828800" algn="l" defTabSz="914400" rtl="0" eaLnBrk="1" latinLnBrk="0" hangingPunct="1">
+              <a:defRPr sz="1800" kern="1200">
+                <a:solidFill>
+                  <a:schemeClr val="dk1"/>
+                </a:solidFill>
+                <a:latin typeface="+mn-lt"/>
+                <a:ea typeface="+mn-ea"/>
+                <a:cs typeface="+mn-cs"/>
+              </a:defRPr>
+            </a:lvl5pPr>
+            <a:lvl6pPr marL="2286000" algn="l" defTabSz="914400" rtl="0" eaLnBrk="1" latinLnBrk="0" hangingPunct="1">
+              <a:defRPr sz="1800" kern="1200">
+                <a:solidFill>
+                  <a:schemeClr val="dk1"/>
+                </a:solidFill>
+                <a:latin typeface="+mn-lt"/>
+                <a:ea typeface="+mn-ea"/>
+                <a:cs typeface="+mn-cs"/>
+              </a:defRPr>
+            </a:lvl6pPr>
+            <a:lvl7pPr marL="2743200" algn="l" defTabSz="914400" rtl="0" eaLnBrk="1" latinLnBrk="0" hangingPunct="1">
+              <a:defRPr sz="1800" kern="1200">
+                <a:solidFill>
+                  <a:schemeClr val="dk1"/>
+                </a:solidFill>
+                <a:latin typeface="+mn-lt"/>
+                <a:ea typeface="+mn-ea"/>
+                <a:cs typeface="+mn-cs"/>
+              </a:defRPr>
+            </a:lvl7pPr>
+            <a:lvl8pPr marL="3200400" algn="l" defTabSz="914400" rtl="0" eaLnBrk="1" latinLnBrk="0" hangingPunct="1">
+              <a:defRPr sz="1800" kern="1200">
+                <a:solidFill>
+                  <a:schemeClr val="dk1"/>
+                </a:solidFill>
+                <a:latin typeface="+mn-lt"/>
+                <a:ea typeface="+mn-ea"/>
+                <a:cs typeface="+mn-cs"/>
+              </a:defRPr>
+            </a:lvl8pPr>
+            <a:lvl9pPr marL="3657600" algn="l" defTabSz="914400" rtl="0" eaLnBrk="1" latinLnBrk="0" hangingPunct="1">
+              <a:defRPr sz="1800" kern="1200">
+                <a:solidFill>
+                  <a:schemeClr val="dk1"/>
+                </a:solidFill>
+                <a:latin typeface="+mn-lt"/>
+                <a:ea typeface="+mn-ea"/>
+                <a:cs typeface="+mn-cs"/>
+              </a:defRPr>
+            </a:lvl9pPr>
+          </a:lstStyle>
+          <a:p>
+            <a:pPr algn="ctr"/>
+            <a:r>
+              <a:rPr lang="en-US" sz="2800" b="1" dirty="0"/>
+              <a:t>Demo!</a:t>
+            </a:r>
+          </a:p>
+        </p:txBody>
+      </p:sp>
+      <p:sp>
+        <p:nvSpPr>
+          <p:cNvPr id="5" name="12-Point Star 3">
+            <a:extLst>
+              <a:ext uri="{FF2B5EF4-FFF2-40B4-BE49-F238E27FC236}">
+                <a16:creationId xmlns:a16="http://schemas.microsoft.com/office/drawing/2014/main" id="{B1DAB5AE-4691-4806-9A2D-140DCC5ACFDF}"/>
+              </a:ext>
+            </a:extLst>
+          </p:cNvPr>
+          <p:cNvSpPr/>
+          <p:nvPr/>
+        </p:nvSpPr>
+        <p:spPr>
+          <a:xfrm rot="1816144">
+            <a:off x="8982327" y="1410142"/>
+            <a:ext cx="2352055" cy="1369390"/>
+          </a:xfrm>
+          <a:prstGeom prst="star12">
+            <a:avLst/>
+          </a:prstGeom>
+        </p:spPr>
+        <p:style>
+          <a:lnRef idx="1">
+            <a:schemeClr val="accent5"/>
+          </a:lnRef>
+          <a:fillRef idx="2">
+            <a:schemeClr val="accent5"/>
+          </a:fillRef>
+          <a:effectRef idx="1">
+            <a:schemeClr val="accent5"/>
+          </a:effectRef>
+          <a:fontRef idx="minor">
+            <a:schemeClr val="dk1"/>
+          </a:fontRef>
+        </p:style>
+        <p:txBody>
+          <a:bodyPr rtlCol="0" anchor="ctr"/>
+          <a:lstStyle>
+            <a:defPPr>
+              <a:defRPr lang="en-US"/>
+            </a:defPPr>
+            <a:lvl1pPr marL="0" algn="l" defTabSz="914400" rtl="0" eaLnBrk="1" latinLnBrk="0" hangingPunct="1">
+              <a:defRPr sz="1800" kern="1200">
+                <a:solidFill>
+                  <a:schemeClr val="dk1"/>
+                </a:solidFill>
+                <a:latin typeface="+mn-lt"/>
+                <a:ea typeface="+mn-ea"/>
+                <a:cs typeface="+mn-cs"/>
+              </a:defRPr>
+            </a:lvl1pPr>
+            <a:lvl2pPr marL="457200" algn="l" defTabSz="914400" rtl="0" eaLnBrk="1" latinLnBrk="0" hangingPunct="1">
+              <a:defRPr sz="1800" kern="1200">
+                <a:solidFill>
+                  <a:schemeClr val="dk1"/>
+                </a:solidFill>
+                <a:latin typeface="+mn-lt"/>
+                <a:ea typeface="+mn-ea"/>
+                <a:cs typeface="+mn-cs"/>
+              </a:defRPr>
+            </a:lvl2pPr>
+            <a:lvl3pPr marL="914400" algn="l" defTabSz="914400" rtl="0" eaLnBrk="1" latinLnBrk="0" hangingPunct="1">
+              <a:defRPr sz="1800" kern="1200">
+                <a:solidFill>
+                  <a:schemeClr val="dk1"/>
+                </a:solidFill>
+                <a:latin typeface="+mn-lt"/>
+                <a:ea typeface="+mn-ea"/>
+                <a:cs typeface="+mn-cs"/>
+              </a:defRPr>
+            </a:lvl3pPr>
+            <a:lvl4pPr marL="1371600" algn="l" defTabSz="914400" rtl="0" eaLnBrk="1" latinLnBrk="0" hangingPunct="1">
+              <a:defRPr sz="1800" kern="1200">
+                <a:solidFill>
+                  <a:schemeClr val="dk1"/>
+                </a:solidFill>
+                <a:latin typeface="+mn-lt"/>
+                <a:ea typeface="+mn-ea"/>
+                <a:cs typeface="+mn-cs"/>
+              </a:defRPr>
+            </a:lvl4pPr>
+            <a:lvl5pPr marL="1828800" algn="l" defTabSz="914400" rtl="0" eaLnBrk="1" latinLnBrk="0" hangingPunct="1">
+              <a:defRPr sz="1800" kern="1200">
+                <a:solidFill>
+                  <a:schemeClr val="dk1"/>
+                </a:solidFill>
+                <a:latin typeface="+mn-lt"/>
+                <a:ea typeface="+mn-ea"/>
+                <a:cs typeface="+mn-cs"/>
+              </a:defRPr>
+            </a:lvl5pPr>
+            <a:lvl6pPr marL="2286000" algn="l" defTabSz="914400" rtl="0" eaLnBrk="1" latinLnBrk="0" hangingPunct="1">
+              <a:defRPr sz="1800" kern="1200">
+                <a:solidFill>
+                  <a:schemeClr val="dk1"/>
+                </a:solidFill>
+                <a:latin typeface="+mn-lt"/>
+                <a:ea typeface="+mn-ea"/>
+                <a:cs typeface="+mn-cs"/>
+              </a:defRPr>
+            </a:lvl6pPr>
+            <a:lvl7pPr marL="2743200" algn="l" defTabSz="914400" rtl="0" eaLnBrk="1" latinLnBrk="0" hangingPunct="1">
+              <a:defRPr sz="1800" kern="1200">
+                <a:solidFill>
+                  <a:schemeClr val="dk1"/>
+                </a:solidFill>
+                <a:latin typeface="+mn-lt"/>
+                <a:ea typeface="+mn-ea"/>
+                <a:cs typeface="+mn-cs"/>
+              </a:defRPr>
+            </a:lvl7pPr>
+            <a:lvl8pPr marL="3200400" algn="l" defTabSz="914400" rtl="0" eaLnBrk="1" latinLnBrk="0" hangingPunct="1">
+              <a:defRPr sz="1800" kern="1200">
+                <a:solidFill>
+                  <a:schemeClr val="dk1"/>
+                </a:solidFill>
+                <a:latin typeface="+mn-lt"/>
+                <a:ea typeface="+mn-ea"/>
+                <a:cs typeface="+mn-cs"/>
+              </a:defRPr>
+            </a:lvl8pPr>
+            <a:lvl9pPr marL="3657600" algn="l" defTabSz="914400" rtl="0" eaLnBrk="1" latinLnBrk="0" hangingPunct="1">
+              <a:defRPr sz="1800" kern="1200">
+                <a:solidFill>
+                  <a:schemeClr val="dk1"/>
+                </a:solidFill>
+                <a:latin typeface="+mn-lt"/>
+                <a:ea typeface="+mn-ea"/>
+                <a:cs typeface="+mn-cs"/>
+              </a:defRPr>
+            </a:lvl9pPr>
+          </a:lstStyle>
+          <a:p>
+            <a:pPr algn="ctr"/>
+            <a:r>
+              <a:rPr lang="en-US" sz="2800" b="1" dirty="0"/>
+              <a:t>Demo!</a:t>
+            </a:r>
+          </a:p>
+        </p:txBody>
+      </p:sp>
+      <p:sp>
+        <p:nvSpPr>
+          <p:cNvPr id="6" name="12-Point Star 3">
+            <a:extLst>
+              <a:ext uri="{FF2B5EF4-FFF2-40B4-BE49-F238E27FC236}">
+                <a16:creationId xmlns:a16="http://schemas.microsoft.com/office/drawing/2014/main" id="{177FCA6E-6E48-4C69-88FF-BD09C5808CB4}"/>
+              </a:ext>
+            </a:extLst>
+          </p:cNvPr>
+          <p:cNvSpPr/>
+          <p:nvPr/>
+        </p:nvSpPr>
+        <p:spPr>
+          <a:xfrm rot="1816144">
+            <a:off x="8117546" y="4323991"/>
+            <a:ext cx="2352055" cy="1369390"/>
+          </a:xfrm>
+          <a:prstGeom prst="star12">
+            <a:avLst/>
+          </a:prstGeom>
+        </p:spPr>
+        <p:style>
+          <a:lnRef idx="1">
+            <a:schemeClr val="accent5"/>
+          </a:lnRef>
+          <a:fillRef idx="2">
+            <a:schemeClr val="accent5"/>
+          </a:fillRef>
+          <a:effectRef idx="1">
+            <a:schemeClr val="accent5"/>
+          </a:effectRef>
+          <a:fontRef idx="minor">
+            <a:schemeClr val="dk1"/>
+          </a:fontRef>
+        </p:style>
+        <p:txBody>
+          <a:bodyPr rtlCol="0" anchor="ctr"/>
+          <a:lstStyle>
+            <a:defPPr>
+              <a:defRPr lang="en-US"/>
+            </a:defPPr>
+            <a:lvl1pPr marL="0" algn="l" defTabSz="914400" rtl="0" eaLnBrk="1" latinLnBrk="0" hangingPunct="1">
+              <a:defRPr sz="1800" kern="1200">
+                <a:solidFill>
+                  <a:schemeClr val="dk1"/>
+                </a:solidFill>
+                <a:latin typeface="+mn-lt"/>
+                <a:ea typeface="+mn-ea"/>
+                <a:cs typeface="+mn-cs"/>
+              </a:defRPr>
+            </a:lvl1pPr>
+            <a:lvl2pPr marL="457200" algn="l" defTabSz="914400" rtl="0" eaLnBrk="1" latinLnBrk="0" hangingPunct="1">
+              <a:defRPr sz="1800" kern="1200">
+                <a:solidFill>
+                  <a:schemeClr val="dk1"/>
+                </a:solidFill>
+                <a:latin typeface="+mn-lt"/>
+                <a:ea typeface="+mn-ea"/>
+                <a:cs typeface="+mn-cs"/>
+              </a:defRPr>
+            </a:lvl2pPr>
+            <a:lvl3pPr marL="914400" algn="l" defTabSz="914400" rtl="0" eaLnBrk="1" latinLnBrk="0" hangingPunct="1">
+              <a:defRPr sz="1800" kern="1200">
+                <a:solidFill>
+                  <a:schemeClr val="dk1"/>
+                </a:solidFill>
+                <a:latin typeface="+mn-lt"/>
+                <a:ea typeface="+mn-ea"/>
+                <a:cs typeface="+mn-cs"/>
+              </a:defRPr>
+            </a:lvl3pPr>
+            <a:lvl4pPr marL="1371600" algn="l" defTabSz="914400" rtl="0" eaLnBrk="1" latinLnBrk="0" hangingPunct="1">
+              <a:defRPr sz="1800" kern="1200">
+                <a:solidFill>
+                  <a:schemeClr val="dk1"/>
+                </a:solidFill>
+                <a:latin typeface="+mn-lt"/>
+                <a:ea typeface="+mn-ea"/>
+                <a:cs typeface="+mn-cs"/>
+              </a:defRPr>
+            </a:lvl4pPr>
+            <a:lvl5pPr marL="1828800" algn="l" defTabSz="914400" rtl="0" eaLnBrk="1" latinLnBrk="0" hangingPunct="1">
+              <a:defRPr sz="1800" kern="1200">
+                <a:solidFill>
+                  <a:schemeClr val="dk1"/>
+                </a:solidFill>
+                <a:latin typeface="+mn-lt"/>
+                <a:ea typeface="+mn-ea"/>
+                <a:cs typeface="+mn-cs"/>
+              </a:defRPr>
+            </a:lvl5pPr>
+            <a:lvl6pPr marL="2286000" algn="l" defTabSz="914400" rtl="0" eaLnBrk="1" latinLnBrk="0" hangingPunct="1">
+              <a:defRPr sz="1800" kern="1200">
+                <a:solidFill>
+                  <a:schemeClr val="dk1"/>
+                </a:solidFill>
+                <a:latin typeface="+mn-lt"/>
+                <a:ea typeface="+mn-ea"/>
+                <a:cs typeface="+mn-cs"/>
+              </a:defRPr>
+            </a:lvl6pPr>
+            <a:lvl7pPr marL="2743200" algn="l" defTabSz="914400" rtl="0" eaLnBrk="1" latinLnBrk="0" hangingPunct="1">
+              <a:defRPr sz="1800" kern="1200">
+                <a:solidFill>
+                  <a:schemeClr val="dk1"/>
+                </a:solidFill>
+                <a:latin typeface="+mn-lt"/>
+                <a:ea typeface="+mn-ea"/>
+                <a:cs typeface="+mn-cs"/>
+              </a:defRPr>
+            </a:lvl7pPr>
+            <a:lvl8pPr marL="3200400" algn="l" defTabSz="914400" rtl="0" eaLnBrk="1" latinLnBrk="0" hangingPunct="1">
+              <a:defRPr sz="1800" kern="1200">
+                <a:solidFill>
+                  <a:schemeClr val="dk1"/>
+                </a:solidFill>
+                <a:latin typeface="+mn-lt"/>
+                <a:ea typeface="+mn-ea"/>
+                <a:cs typeface="+mn-cs"/>
+              </a:defRPr>
+            </a:lvl8pPr>
+            <a:lvl9pPr marL="3657600" algn="l" defTabSz="914400" rtl="0" eaLnBrk="1" latinLnBrk="0" hangingPunct="1">
+              <a:defRPr sz="1800" kern="1200">
+                <a:solidFill>
+                  <a:schemeClr val="dk1"/>
+                </a:solidFill>
+                <a:latin typeface="+mn-lt"/>
+                <a:ea typeface="+mn-ea"/>
+                <a:cs typeface="+mn-cs"/>
+              </a:defRPr>
+            </a:lvl9pPr>
+          </a:lstStyle>
+          <a:p>
+            <a:pPr algn="ctr"/>
+            <a:r>
+              <a:rPr lang="en-US" sz="2800" b="1" dirty="0"/>
+              <a:t>Demo!</a:t>
             </a:r>
           </a:p>
         </p:txBody>
@@ -6632,7 +7755,730 @@
     </p:spTree>
     <p:extLst>
       <p:ext uri="{BB962C8B-B14F-4D97-AF65-F5344CB8AC3E}">
-        <p14:creationId xmlns:p14="http://schemas.microsoft.com/office/powerpoint/2010/main" val="494629984"/>
+        <p14:creationId xmlns:p14="http://schemas.microsoft.com/office/powerpoint/2010/main" val="1944999832"/>
+      </p:ext>
+    </p:extLst>
+  </p:cSld>
+  <p:clrMapOvr>
+    <a:masterClrMapping/>
+  </p:clrMapOvr>
+</p:sld>
+</file>
+
+<file path=ppt/slides/slide7.xml><?xml version="1.0" encoding="utf-8"?>
+<p:sld xmlns:a="http://schemas.openxmlformats.org/drawingml/2006/main" xmlns:r="http://schemas.openxmlformats.org/officeDocument/2006/relationships" xmlns:p="http://schemas.openxmlformats.org/presentationml/2006/main">
+  <p:cSld>
+    <p:spTree>
+      <p:nvGrpSpPr>
+        <p:cNvPr id="1" name=""/>
+        <p:cNvGrpSpPr/>
+        <p:nvPr/>
+      </p:nvGrpSpPr>
+      <p:grpSpPr>
+        <a:xfrm>
+          <a:off x="0" y="0"/>
+          <a:ext cx="0" cy="0"/>
+          <a:chOff x="0" y="0"/>
+          <a:chExt cx="0" cy="0"/>
+        </a:xfrm>
+      </p:grpSpPr>
+      <p:sp>
+        <p:nvSpPr>
+          <p:cNvPr id="2" name="Title 1">
+            <a:extLst>
+              <a:ext uri="{FF2B5EF4-FFF2-40B4-BE49-F238E27FC236}">
+                <a16:creationId xmlns:a16="http://schemas.microsoft.com/office/drawing/2014/main" id="{417F682D-1120-4DC5-9121-47BAD70A1C6E}"/>
+              </a:ext>
+            </a:extLst>
+          </p:cNvPr>
+          <p:cNvSpPr>
+            <a:spLocks noGrp="1"/>
+          </p:cNvSpPr>
+          <p:nvPr>
+            <p:ph type="title"/>
+          </p:nvPr>
+        </p:nvSpPr>
+        <p:spPr/>
+        <p:txBody>
+          <a:bodyPr/>
+          <a:lstStyle/>
+          <a:p>
+            <a:r>
+              <a:rPr lang="en-US" dirty="0"/>
+              <a:t>Transactions</a:t>
+            </a:r>
+          </a:p>
+        </p:txBody>
+      </p:sp>
+      <p:sp>
+        <p:nvSpPr>
+          <p:cNvPr id="3" name="Content Placeholder 2">
+            <a:extLst>
+              <a:ext uri="{FF2B5EF4-FFF2-40B4-BE49-F238E27FC236}">
+                <a16:creationId xmlns:a16="http://schemas.microsoft.com/office/drawing/2014/main" id="{994B8D91-8F45-4990-9D1F-C5364F389DE2}"/>
+              </a:ext>
+            </a:extLst>
+          </p:cNvPr>
+          <p:cNvSpPr>
+            <a:spLocks noGrp="1"/>
+          </p:cNvSpPr>
+          <p:nvPr>
+            <p:ph idx="1"/>
+          </p:nvPr>
+        </p:nvSpPr>
+        <p:spPr/>
+        <p:txBody>
+          <a:bodyPr/>
+          <a:lstStyle/>
+          <a:p>
+            <a:r>
+              <a:rPr lang="en-US" dirty="0"/>
+              <a:t>Every INSERT, UDPATE, and DELETE is a transaction</a:t>
+            </a:r>
+          </a:p>
+          <a:p>
+            <a:pPr lvl="1"/>
+            <a:r>
+              <a:rPr lang="en-US" dirty="0"/>
+              <a:t>100% complete or 100% fail</a:t>
+            </a:r>
+          </a:p>
+          <a:p>
+            <a:r>
+              <a:rPr lang="en-US" dirty="0"/>
+              <a:t>User-defined transactions</a:t>
+            </a:r>
+          </a:p>
+          <a:p>
+            <a:r>
+              <a:rPr lang="en-US" dirty="0"/>
+              <a:t>COMMIT TRAN only commits one level</a:t>
+            </a:r>
+          </a:p>
+          <a:p>
+            <a:r>
+              <a:rPr lang="en-US" dirty="0"/>
+              <a:t>ROLLBACK TRAN rolls back everything</a:t>
+            </a:r>
+          </a:p>
+          <a:p>
+            <a:r>
+              <a:rPr lang="en-US" dirty="0"/>
+              <a:t>@@TRANCOUNT tells you how deep you are</a:t>
+            </a:r>
+          </a:p>
+          <a:p>
+            <a:r>
+              <a:rPr lang="en-US" dirty="0"/>
+              <a:t>Do any logging after the ROLLBACK</a:t>
+            </a:r>
+          </a:p>
+          <a:p>
+            <a:r>
+              <a:rPr lang="en-US" dirty="0"/>
+              <a:t>Theoretically (</a:t>
+            </a:r>
+            <a:r>
+              <a:rPr lang="en-US"/>
+              <a:t>and sometimes </a:t>
+            </a:r>
+            <a:r>
+              <a:rPr lang="en-US" dirty="0"/>
+              <a:t>practically) you can do cross-server transactions.  Don’t.</a:t>
+            </a:r>
+          </a:p>
+          <a:p>
+            <a:pPr lvl="1"/>
+            <a:r>
+              <a:rPr lang="en-US" dirty="0"/>
+              <a:t>Queue up the data in a re-start-able way and synchronize </a:t>
+            </a:r>
+          </a:p>
+        </p:txBody>
+      </p:sp>
+      <p:sp>
+        <p:nvSpPr>
+          <p:cNvPr id="4" name="12-Point Star 3">
+            <a:extLst>
+              <a:ext uri="{FF2B5EF4-FFF2-40B4-BE49-F238E27FC236}">
+                <a16:creationId xmlns:a16="http://schemas.microsoft.com/office/drawing/2014/main" id="{97FA8D30-6548-4D6F-BB50-E86D3FF34999}"/>
+              </a:ext>
+            </a:extLst>
+          </p:cNvPr>
+          <p:cNvSpPr/>
+          <p:nvPr/>
+        </p:nvSpPr>
+        <p:spPr>
+          <a:xfrm rot="1816144">
+            <a:off x="8543751" y="2434884"/>
+            <a:ext cx="2591062" cy="1569689"/>
+          </a:xfrm>
+          <a:prstGeom prst="star12">
+            <a:avLst/>
+          </a:prstGeom>
+        </p:spPr>
+        <p:style>
+          <a:lnRef idx="1">
+            <a:schemeClr val="accent5"/>
+          </a:lnRef>
+          <a:fillRef idx="2">
+            <a:schemeClr val="accent5"/>
+          </a:fillRef>
+          <a:effectRef idx="1">
+            <a:schemeClr val="accent5"/>
+          </a:effectRef>
+          <a:fontRef idx="minor">
+            <a:schemeClr val="dk1"/>
+          </a:fontRef>
+        </p:style>
+        <p:txBody>
+          <a:bodyPr rtlCol="0" anchor="ctr"/>
+          <a:lstStyle>
+            <a:defPPr>
+              <a:defRPr lang="en-US"/>
+            </a:defPPr>
+            <a:lvl1pPr marL="0" algn="l" defTabSz="914400" rtl="0" eaLnBrk="1" latinLnBrk="0" hangingPunct="1">
+              <a:defRPr sz="1800" kern="1200">
+                <a:solidFill>
+                  <a:schemeClr val="dk1"/>
+                </a:solidFill>
+                <a:latin typeface="+mn-lt"/>
+                <a:ea typeface="+mn-ea"/>
+                <a:cs typeface="+mn-cs"/>
+              </a:defRPr>
+            </a:lvl1pPr>
+            <a:lvl2pPr marL="457200" algn="l" defTabSz="914400" rtl="0" eaLnBrk="1" latinLnBrk="0" hangingPunct="1">
+              <a:defRPr sz="1800" kern="1200">
+                <a:solidFill>
+                  <a:schemeClr val="dk1"/>
+                </a:solidFill>
+                <a:latin typeface="+mn-lt"/>
+                <a:ea typeface="+mn-ea"/>
+                <a:cs typeface="+mn-cs"/>
+              </a:defRPr>
+            </a:lvl2pPr>
+            <a:lvl3pPr marL="914400" algn="l" defTabSz="914400" rtl="0" eaLnBrk="1" latinLnBrk="0" hangingPunct="1">
+              <a:defRPr sz="1800" kern="1200">
+                <a:solidFill>
+                  <a:schemeClr val="dk1"/>
+                </a:solidFill>
+                <a:latin typeface="+mn-lt"/>
+                <a:ea typeface="+mn-ea"/>
+                <a:cs typeface="+mn-cs"/>
+              </a:defRPr>
+            </a:lvl3pPr>
+            <a:lvl4pPr marL="1371600" algn="l" defTabSz="914400" rtl="0" eaLnBrk="1" latinLnBrk="0" hangingPunct="1">
+              <a:defRPr sz="1800" kern="1200">
+                <a:solidFill>
+                  <a:schemeClr val="dk1"/>
+                </a:solidFill>
+                <a:latin typeface="+mn-lt"/>
+                <a:ea typeface="+mn-ea"/>
+                <a:cs typeface="+mn-cs"/>
+              </a:defRPr>
+            </a:lvl4pPr>
+            <a:lvl5pPr marL="1828800" algn="l" defTabSz="914400" rtl="0" eaLnBrk="1" latinLnBrk="0" hangingPunct="1">
+              <a:defRPr sz="1800" kern="1200">
+                <a:solidFill>
+                  <a:schemeClr val="dk1"/>
+                </a:solidFill>
+                <a:latin typeface="+mn-lt"/>
+                <a:ea typeface="+mn-ea"/>
+                <a:cs typeface="+mn-cs"/>
+              </a:defRPr>
+            </a:lvl5pPr>
+            <a:lvl6pPr marL="2286000" algn="l" defTabSz="914400" rtl="0" eaLnBrk="1" latinLnBrk="0" hangingPunct="1">
+              <a:defRPr sz="1800" kern="1200">
+                <a:solidFill>
+                  <a:schemeClr val="dk1"/>
+                </a:solidFill>
+                <a:latin typeface="+mn-lt"/>
+                <a:ea typeface="+mn-ea"/>
+                <a:cs typeface="+mn-cs"/>
+              </a:defRPr>
+            </a:lvl6pPr>
+            <a:lvl7pPr marL="2743200" algn="l" defTabSz="914400" rtl="0" eaLnBrk="1" latinLnBrk="0" hangingPunct="1">
+              <a:defRPr sz="1800" kern="1200">
+                <a:solidFill>
+                  <a:schemeClr val="dk1"/>
+                </a:solidFill>
+                <a:latin typeface="+mn-lt"/>
+                <a:ea typeface="+mn-ea"/>
+                <a:cs typeface="+mn-cs"/>
+              </a:defRPr>
+            </a:lvl7pPr>
+            <a:lvl8pPr marL="3200400" algn="l" defTabSz="914400" rtl="0" eaLnBrk="1" latinLnBrk="0" hangingPunct="1">
+              <a:defRPr sz="1800" kern="1200">
+                <a:solidFill>
+                  <a:schemeClr val="dk1"/>
+                </a:solidFill>
+                <a:latin typeface="+mn-lt"/>
+                <a:ea typeface="+mn-ea"/>
+                <a:cs typeface="+mn-cs"/>
+              </a:defRPr>
+            </a:lvl8pPr>
+            <a:lvl9pPr marL="3657600" algn="l" defTabSz="914400" rtl="0" eaLnBrk="1" latinLnBrk="0" hangingPunct="1">
+              <a:defRPr sz="1800" kern="1200">
+                <a:solidFill>
+                  <a:schemeClr val="dk1"/>
+                </a:solidFill>
+                <a:latin typeface="+mn-lt"/>
+                <a:ea typeface="+mn-ea"/>
+                <a:cs typeface="+mn-cs"/>
+              </a:defRPr>
+            </a:lvl9pPr>
+          </a:lstStyle>
+          <a:p>
+            <a:pPr algn="ctr"/>
+            <a:r>
+              <a:rPr lang="en-US" sz="2800" b="1" dirty="0"/>
+              <a:t>Demo!</a:t>
+            </a:r>
+          </a:p>
+        </p:txBody>
+      </p:sp>
+    </p:spTree>
+    <p:extLst>
+      <p:ext uri="{BB962C8B-B14F-4D97-AF65-F5344CB8AC3E}">
+        <p14:creationId xmlns:p14="http://schemas.microsoft.com/office/powerpoint/2010/main" val="1909129713"/>
+      </p:ext>
+    </p:extLst>
+  </p:cSld>
+  <p:clrMapOvr>
+    <a:masterClrMapping/>
+  </p:clrMapOvr>
+</p:sld>
+</file>
+
+<file path=ppt/slides/slide8.xml><?xml version="1.0" encoding="utf-8"?>
+<p:sld xmlns:a="http://schemas.openxmlformats.org/drawingml/2006/main" xmlns:r="http://schemas.openxmlformats.org/officeDocument/2006/relationships" xmlns:p="http://schemas.openxmlformats.org/presentationml/2006/main">
+  <p:cSld>
+    <p:spTree>
+      <p:nvGrpSpPr>
+        <p:cNvPr id="1" name=""/>
+        <p:cNvGrpSpPr/>
+        <p:nvPr/>
+      </p:nvGrpSpPr>
+      <p:grpSpPr>
+        <a:xfrm>
+          <a:off x="0" y="0"/>
+          <a:ext cx="0" cy="0"/>
+          <a:chOff x="0" y="0"/>
+          <a:chExt cx="0" cy="0"/>
+        </a:xfrm>
+      </p:grpSpPr>
+      <p:sp>
+        <p:nvSpPr>
+          <p:cNvPr id="2" name="Title 1">
+            <a:extLst>
+              <a:ext uri="{FF2B5EF4-FFF2-40B4-BE49-F238E27FC236}">
+                <a16:creationId xmlns:a16="http://schemas.microsoft.com/office/drawing/2014/main" id="{586E9562-60FD-4180-819E-890B35492590}"/>
+              </a:ext>
+            </a:extLst>
+          </p:cNvPr>
+          <p:cNvSpPr>
+            <a:spLocks noGrp="1"/>
+          </p:cNvSpPr>
+          <p:nvPr>
+            <p:ph type="title"/>
+          </p:nvPr>
+        </p:nvSpPr>
+        <p:spPr/>
+        <p:txBody>
+          <a:bodyPr/>
+          <a:lstStyle/>
+          <a:p>
+            <a:r>
+              <a:rPr lang="en-US" dirty="0"/>
+              <a:t>My Advice</a:t>
+            </a:r>
+          </a:p>
+        </p:txBody>
+      </p:sp>
+      <p:sp>
+        <p:nvSpPr>
+          <p:cNvPr id="3" name="Content Placeholder 2">
+            <a:extLst>
+              <a:ext uri="{FF2B5EF4-FFF2-40B4-BE49-F238E27FC236}">
+                <a16:creationId xmlns:a16="http://schemas.microsoft.com/office/drawing/2014/main" id="{AD08DD6C-FA16-4609-B008-738346936C2B}"/>
+              </a:ext>
+            </a:extLst>
+          </p:cNvPr>
+          <p:cNvSpPr>
+            <a:spLocks noGrp="1"/>
+          </p:cNvSpPr>
+          <p:nvPr>
+            <p:ph idx="1"/>
+          </p:nvPr>
+        </p:nvSpPr>
+        <p:spPr>
+          <a:xfrm>
+            <a:off x="838200" y="1636888"/>
+            <a:ext cx="9263231" cy="4855983"/>
+          </a:xfrm>
+        </p:spPr>
+        <p:txBody>
+          <a:bodyPr>
+            <a:normAutofit/>
+          </a:bodyPr>
+          <a:lstStyle/>
+          <a:p>
+            <a:r>
+              <a:rPr lang="en-US" dirty="0"/>
+              <a:t>All stored procedures return a status code</a:t>
+            </a:r>
+          </a:p>
+          <a:p>
+            <a:pPr lvl="1"/>
+            <a:r>
+              <a:rPr lang="en-US" dirty="0"/>
+              <a:t>Anything you can test for in code, return non-zero</a:t>
+            </a:r>
+          </a:p>
+          <a:p>
+            <a:r>
+              <a:rPr lang="en-US" dirty="0"/>
+              <a:t>Don’t use RAISERROR to return status</a:t>
+            </a:r>
+          </a:p>
+          <a:p>
+            <a:pPr lvl="1"/>
+            <a:r>
+              <a:rPr lang="en-US" dirty="0"/>
+              <a:t>Assume every RAISERROR is data corruption you have to investigate</a:t>
+            </a:r>
+          </a:p>
+          <a:p>
+            <a:pPr lvl="1"/>
+            <a:r>
+              <a:rPr lang="en-US" dirty="0"/>
+              <a:t>Real errors will get buried in a sea of fake errors</a:t>
+            </a:r>
+          </a:p>
+          <a:p>
+            <a:r>
+              <a:rPr lang="en-US" dirty="0"/>
+              <a:t>Handle transactions in stored procedures</a:t>
+            </a:r>
+          </a:p>
+          <a:p>
+            <a:r>
+              <a:rPr lang="en-US" dirty="0"/>
+              <a:t>Wrap transactions in a TRY … CATCH to roll back</a:t>
+            </a:r>
+          </a:p>
+          <a:p>
+            <a:r>
+              <a:rPr lang="en-US" dirty="0"/>
+              <a:t>Do just enough to get any exceptions back to the caller</a:t>
+            </a:r>
+          </a:p>
+          <a:p>
+            <a:endParaRPr lang="en-US" dirty="0"/>
+          </a:p>
+        </p:txBody>
+      </p:sp>
+      <p:sp>
+        <p:nvSpPr>
+          <p:cNvPr id="4" name="12-Point Star 3">
+            <a:extLst>
+              <a:ext uri="{FF2B5EF4-FFF2-40B4-BE49-F238E27FC236}">
+                <a16:creationId xmlns:a16="http://schemas.microsoft.com/office/drawing/2014/main" id="{51FE2464-20B2-4AF6-BA00-DCD6CD16E504}"/>
+              </a:ext>
+            </a:extLst>
+          </p:cNvPr>
+          <p:cNvSpPr/>
+          <p:nvPr/>
+        </p:nvSpPr>
+        <p:spPr>
+          <a:xfrm rot="1816144">
+            <a:off x="9522437" y="1534402"/>
+            <a:ext cx="2322419" cy="1569689"/>
+          </a:xfrm>
+          <a:prstGeom prst="star12">
+            <a:avLst/>
+          </a:prstGeom>
+        </p:spPr>
+        <p:style>
+          <a:lnRef idx="1">
+            <a:schemeClr val="accent5"/>
+          </a:lnRef>
+          <a:fillRef idx="2">
+            <a:schemeClr val="accent5"/>
+          </a:fillRef>
+          <a:effectRef idx="1">
+            <a:schemeClr val="accent5"/>
+          </a:effectRef>
+          <a:fontRef idx="minor">
+            <a:schemeClr val="dk1"/>
+          </a:fontRef>
+        </p:style>
+        <p:txBody>
+          <a:bodyPr rtlCol="0" anchor="ctr"/>
+          <a:lstStyle>
+            <a:defPPr>
+              <a:defRPr lang="en-US"/>
+            </a:defPPr>
+            <a:lvl1pPr marL="0" algn="l" defTabSz="914400" rtl="0" eaLnBrk="1" latinLnBrk="0" hangingPunct="1">
+              <a:defRPr sz="1800" kern="1200">
+                <a:solidFill>
+                  <a:schemeClr val="dk1"/>
+                </a:solidFill>
+                <a:latin typeface="+mn-lt"/>
+                <a:ea typeface="+mn-ea"/>
+                <a:cs typeface="+mn-cs"/>
+              </a:defRPr>
+            </a:lvl1pPr>
+            <a:lvl2pPr marL="457200" algn="l" defTabSz="914400" rtl="0" eaLnBrk="1" latinLnBrk="0" hangingPunct="1">
+              <a:defRPr sz="1800" kern="1200">
+                <a:solidFill>
+                  <a:schemeClr val="dk1"/>
+                </a:solidFill>
+                <a:latin typeface="+mn-lt"/>
+                <a:ea typeface="+mn-ea"/>
+                <a:cs typeface="+mn-cs"/>
+              </a:defRPr>
+            </a:lvl2pPr>
+            <a:lvl3pPr marL="914400" algn="l" defTabSz="914400" rtl="0" eaLnBrk="1" latinLnBrk="0" hangingPunct="1">
+              <a:defRPr sz="1800" kern="1200">
+                <a:solidFill>
+                  <a:schemeClr val="dk1"/>
+                </a:solidFill>
+                <a:latin typeface="+mn-lt"/>
+                <a:ea typeface="+mn-ea"/>
+                <a:cs typeface="+mn-cs"/>
+              </a:defRPr>
+            </a:lvl3pPr>
+            <a:lvl4pPr marL="1371600" algn="l" defTabSz="914400" rtl="0" eaLnBrk="1" latinLnBrk="0" hangingPunct="1">
+              <a:defRPr sz="1800" kern="1200">
+                <a:solidFill>
+                  <a:schemeClr val="dk1"/>
+                </a:solidFill>
+                <a:latin typeface="+mn-lt"/>
+                <a:ea typeface="+mn-ea"/>
+                <a:cs typeface="+mn-cs"/>
+              </a:defRPr>
+            </a:lvl4pPr>
+            <a:lvl5pPr marL="1828800" algn="l" defTabSz="914400" rtl="0" eaLnBrk="1" latinLnBrk="0" hangingPunct="1">
+              <a:defRPr sz="1800" kern="1200">
+                <a:solidFill>
+                  <a:schemeClr val="dk1"/>
+                </a:solidFill>
+                <a:latin typeface="+mn-lt"/>
+                <a:ea typeface="+mn-ea"/>
+                <a:cs typeface="+mn-cs"/>
+              </a:defRPr>
+            </a:lvl5pPr>
+            <a:lvl6pPr marL="2286000" algn="l" defTabSz="914400" rtl="0" eaLnBrk="1" latinLnBrk="0" hangingPunct="1">
+              <a:defRPr sz="1800" kern="1200">
+                <a:solidFill>
+                  <a:schemeClr val="dk1"/>
+                </a:solidFill>
+                <a:latin typeface="+mn-lt"/>
+                <a:ea typeface="+mn-ea"/>
+                <a:cs typeface="+mn-cs"/>
+              </a:defRPr>
+            </a:lvl6pPr>
+            <a:lvl7pPr marL="2743200" algn="l" defTabSz="914400" rtl="0" eaLnBrk="1" latinLnBrk="0" hangingPunct="1">
+              <a:defRPr sz="1800" kern="1200">
+                <a:solidFill>
+                  <a:schemeClr val="dk1"/>
+                </a:solidFill>
+                <a:latin typeface="+mn-lt"/>
+                <a:ea typeface="+mn-ea"/>
+                <a:cs typeface="+mn-cs"/>
+              </a:defRPr>
+            </a:lvl7pPr>
+            <a:lvl8pPr marL="3200400" algn="l" defTabSz="914400" rtl="0" eaLnBrk="1" latinLnBrk="0" hangingPunct="1">
+              <a:defRPr sz="1800" kern="1200">
+                <a:solidFill>
+                  <a:schemeClr val="dk1"/>
+                </a:solidFill>
+                <a:latin typeface="+mn-lt"/>
+                <a:ea typeface="+mn-ea"/>
+                <a:cs typeface="+mn-cs"/>
+              </a:defRPr>
+            </a:lvl8pPr>
+            <a:lvl9pPr marL="3657600" algn="l" defTabSz="914400" rtl="0" eaLnBrk="1" latinLnBrk="0" hangingPunct="1">
+              <a:defRPr sz="1800" kern="1200">
+                <a:solidFill>
+                  <a:schemeClr val="dk1"/>
+                </a:solidFill>
+                <a:latin typeface="+mn-lt"/>
+                <a:ea typeface="+mn-ea"/>
+                <a:cs typeface="+mn-cs"/>
+              </a:defRPr>
+            </a:lvl9pPr>
+          </a:lstStyle>
+          <a:p>
+            <a:pPr algn="ctr"/>
+            <a:r>
+              <a:rPr lang="en-US" sz="2800" b="1" dirty="0"/>
+              <a:t>Demo!</a:t>
+            </a:r>
+          </a:p>
+        </p:txBody>
+      </p:sp>
+    </p:spTree>
+    <p:extLst>
+      <p:ext uri="{BB962C8B-B14F-4D97-AF65-F5344CB8AC3E}">
+        <p14:creationId xmlns:p14="http://schemas.microsoft.com/office/powerpoint/2010/main" val="1744827866"/>
+      </p:ext>
+    </p:extLst>
+  </p:cSld>
+  <p:clrMapOvr>
+    <a:masterClrMapping/>
+  </p:clrMapOvr>
+</p:sld>
+</file>
+
+<file path=ppt/slides/slide9.xml><?xml version="1.0" encoding="utf-8"?>
+<p:sld xmlns:a="http://schemas.openxmlformats.org/drawingml/2006/main" xmlns:r="http://schemas.openxmlformats.org/officeDocument/2006/relationships" xmlns:p="http://schemas.openxmlformats.org/presentationml/2006/main">
+  <p:cSld>
+    <p:spTree>
+      <p:nvGrpSpPr>
+        <p:cNvPr id="1" name=""/>
+        <p:cNvGrpSpPr/>
+        <p:nvPr/>
+      </p:nvGrpSpPr>
+      <p:grpSpPr>
+        <a:xfrm>
+          <a:off x="0" y="0"/>
+          <a:ext cx="0" cy="0"/>
+          <a:chOff x="0" y="0"/>
+          <a:chExt cx="0" cy="0"/>
+        </a:xfrm>
+      </p:grpSpPr>
+      <p:sp>
+        <p:nvSpPr>
+          <p:cNvPr id="2" name="Title 1">
+            <a:extLst>
+              <a:ext uri="{FF2B5EF4-FFF2-40B4-BE49-F238E27FC236}">
+                <a16:creationId xmlns:a16="http://schemas.microsoft.com/office/drawing/2014/main" id="{6D071CE2-E733-4B70-817B-4AC8CE03D9D4}"/>
+              </a:ext>
+            </a:extLst>
+          </p:cNvPr>
+          <p:cNvSpPr>
+            <a:spLocks noGrp="1"/>
+          </p:cNvSpPr>
+          <p:nvPr>
+            <p:ph type="title"/>
+          </p:nvPr>
+        </p:nvSpPr>
+        <p:spPr/>
+        <p:txBody>
+          <a:bodyPr/>
+          <a:lstStyle/>
+          <a:p>
+            <a:r>
+              <a:rPr lang="en-US" dirty="0"/>
+              <a:t>Determine Standards</a:t>
+            </a:r>
+          </a:p>
+        </p:txBody>
+      </p:sp>
+      <p:sp>
+        <p:nvSpPr>
+          <p:cNvPr id="3" name="Content Placeholder 2">
+            <a:extLst>
+              <a:ext uri="{FF2B5EF4-FFF2-40B4-BE49-F238E27FC236}">
+                <a16:creationId xmlns:a16="http://schemas.microsoft.com/office/drawing/2014/main" id="{40CCC794-8BED-43AA-B492-D6D68218A409}"/>
+              </a:ext>
+            </a:extLst>
+          </p:cNvPr>
+          <p:cNvSpPr>
+            <a:spLocks noGrp="1"/>
+          </p:cNvSpPr>
+          <p:nvPr>
+            <p:ph idx="1"/>
+          </p:nvPr>
+        </p:nvSpPr>
+        <p:spPr/>
+        <p:txBody>
+          <a:bodyPr>
+            <a:normAutofit/>
+          </a:bodyPr>
+          <a:lstStyle/>
+          <a:p>
+            <a:r>
+              <a:rPr lang="en-US" dirty="0"/>
+              <a:t>Determine error handling standards</a:t>
+            </a:r>
+          </a:p>
+          <a:p>
+            <a:pPr lvl="1"/>
+            <a:r>
+              <a:rPr lang="en-US" dirty="0"/>
+              <a:t>TRY … CATCH?</a:t>
+            </a:r>
+          </a:p>
+          <a:p>
+            <a:pPr lvl="1"/>
+            <a:r>
+              <a:rPr lang="en-US" dirty="0"/>
+              <a:t>RETURN?</a:t>
+            </a:r>
+          </a:p>
+          <a:p>
+            <a:pPr lvl="1"/>
+            <a:r>
+              <a:rPr lang="en-US" dirty="0"/>
+              <a:t>Re-THROW?</a:t>
+            </a:r>
+          </a:p>
+          <a:p>
+            <a:r>
+              <a:rPr lang="en-US" dirty="0"/>
+              <a:t>Determine a consistent level of transactions?</a:t>
+            </a:r>
+          </a:p>
+          <a:p>
+            <a:pPr lvl="1"/>
+            <a:r>
+              <a:rPr lang="en-US" dirty="0"/>
+              <a:t>Nested?</a:t>
+            </a:r>
+          </a:p>
+          <a:p>
+            <a:pPr lvl="1"/>
+            <a:r>
+              <a:rPr lang="en-US" dirty="0"/>
+              <a:t>Only parent?</a:t>
+            </a:r>
+          </a:p>
+          <a:p>
+            <a:pPr lvl="1"/>
+            <a:r>
+              <a:rPr lang="en-US" dirty="0"/>
+              <a:t>At the application level?</a:t>
+            </a:r>
+          </a:p>
+          <a:p>
+            <a:r>
+              <a:rPr lang="en-US" dirty="0"/>
+              <a:t>Will you log errors in stored procedures?</a:t>
+            </a:r>
+          </a:p>
+          <a:p>
+            <a:pPr lvl="1"/>
+            <a:r>
+              <a:rPr lang="en-US" dirty="0"/>
+              <a:t>Only messages?</a:t>
+            </a:r>
+          </a:p>
+          <a:p>
+            <a:pPr lvl="1"/>
+            <a:r>
+              <a:rPr lang="en-US" dirty="0"/>
+              <a:t>Only at the parent?</a:t>
+            </a:r>
+          </a:p>
+        </p:txBody>
+      </p:sp>
+    </p:spTree>
+    <p:extLst>
+      <p:ext uri="{BB962C8B-B14F-4D97-AF65-F5344CB8AC3E}">
+        <p14:creationId xmlns:p14="http://schemas.microsoft.com/office/powerpoint/2010/main" val="1709137326"/>
       </p:ext>
     </p:extLst>
   </p:cSld>

--- a/ppt/3. TSQL Architecture/TSQL Architecture.pptx
+++ b/ppt/3. TSQL Architecture/TSQL Architecture.pptx
@@ -16,6 +16,7 @@
     <p:sldId id="268" r:id="rId10"/>
     <p:sldId id="270" r:id="rId11"/>
     <p:sldId id="271" r:id="rId12"/>
+    <p:sldId id="284" r:id="rId13"/>
   </p:sldIdLst>
   <p:sldSz cx="12192000" cy="6858000"/>
   <p:notesSz cx="6858000" cy="9144000"/>
@@ -5875,7 +5876,7 @@
           <a:p>
             <a:r>
               <a:rPr lang="en-US" dirty="0"/>
-              <a:t>TSQL Architecture</a:t>
+              <a:t>T-SQL Architecture</a:t>
             </a:r>
           </a:p>
         </p:txBody>
@@ -6191,6 +6192,89 @@
     <p:extLst>
       <p:ext uri="{BB962C8B-B14F-4D97-AF65-F5344CB8AC3E}">
         <p14:creationId xmlns:p14="http://schemas.microsoft.com/office/powerpoint/2010/main" val="1888505939"/>
+      </p:ext>
+    </p:extLst>
+  </p:cSld>
+  <p:clrMapOvr>
+    <a:masterClrMapping/>
+  </p:clrMapOvr>
+</p:sld>
+</file>
+
+<file path=ppt/slides/slide12.xml><?xml version="1.0" encoding="utf-8"?>
+<p:sld xmlns:a="http://schemas.openxmlformats.org/drawingml/2006/main" xmlns:r="http://schemas.openxmlformats.org/officeDocument/2006/relationships" xmlns:p="http://schemas.openxmlformats.org/presentationml/2006/main">
+  <p:cSld>
+    <p:spTree>
+      <p:nvGrpSpPr>
+        <p:cNvPr id="1" name=""/>
+        <p:cNvGrpSpPr/>
+        <p:nvPr/>
+      </p:nvGrpSpPr>
+      <p:grpSpPr>
+        <a:xfrm>
+          <a:off x="0" y="0"/>
+          <a:ext cx="0" cy="0"/>
+          <a:chOff x="0" y="0"/>
+          <a:chExt cx="0" cy="0"/>
+        </a:xfrm>
+      </p:grpSpPr>
+      <p:sp>
+        <p:nvSpPr>
+          <p:cNvPr id="2" name="Title 1">
+            <a:extLst>
+              <a:ext uri="{FF2B5EF4-FFF2-40B4-BE49-F238E27FC236}">
+                <a16:creationId xmlns:a16="http://schemas.microsoft.com/office/drawing/2014/main" id="{D1BF0AEA-537B-4B64-BFA9-4C84A88028BE}"/>
+              </a:ext>
+            </a:extLst>
+          </p:cNvPr>
+          <p:cNvSpPr>
+            <a:spLocks noGrp="1"/>
+          </p:cNvSpPr>
+          <p:nvPr>
+            <p:ph type="ctrTitle"/>
+          </p:nvPr>
+        </p:nvSpPr>
+        <p:spPr/>
+        <p:txBody>
+          <a:bodyPr/>
+          <a:lstStyle/>
+          <a:p>
+            <a:r>
+              <a:rPr lang="en-US" dirty="0"/>
+              <a:t>Questions?</a:t>
+            </a:r>
+          </a:p>
+        </p:txBody>
+      </p:sp>
+      <p:sp>
+        <p:nvSpPr>
+          <p:cNvPr id="3" name="Subtitle 2">
+            <a:extLst>
+              <a:ext uri="{FF2B5EF4-FFF2-40B4-BE49-F238E27FC236}">
+                <a16:creationId xmlns:a16="http://schemas.microsoft.com/office/drawing/2014/main" id="{5362E1A2-2E34-4889-A293-3A5480B63F20}"/>
+              </a:ext>
+            </a:extLst>
+          </p:cNvPr>
+          <p:cNvSpPr>
+            <a:spLocks noGrp="1"/>
+          </p:cNvSpPr>
+          <p:nvPr>
+            <p:ph type="subTitle" idx="1"/>
+          </p:nvPr>
+        </p:nvSpPr>
+        <p:spPr/>
+        <p:txBody>
+          <a:bodyPr/>
+          <a:lstStyle/>
+          <a:p>
+            <a:endParaRPr lang="en-US"/>
+          </a:p>
+        </p:txBody>
+      </p:sp>
+    </p:spTree>
+    <p:extLst>
+      <p:ext uri="{BB962C8B-B14F-4D97-AF65-F5344CB8AC3E}">
+        <p14:creationId xmlns:p14="http://schemas.microsoft.com/office/powerpoint/2010/main" val="63270216"/>
       </p:ext>
     </p:extLst>
   </p:cSld>
